--- a/ppt/04-03.pptx
+++ b/ppt/04-03.pptx
@@ -8,6 +8,10 @@
     <p:sldId id="257" r:id="rId2"/>
     <p:sldId id="258" r:id="rId3"/>
     <p:sldId id="259" r:id="rId4"/>
+    <p:sldId id="260" r:id="rId5"/>
+    <p:sldId id="261" r:id="rId6"/>
+    <p:sldId id="263" r:id="rId7"/>
+    <p:sldId id="262" r:id="rId8"/>
   </p:sldIdLst>
   <p:sldSz cx="12192000" cy="6858000"/>
   <p:notesSz cx="6858000" cy="9144000"/>
@@ -3356,10 +3360,774 @@
           <a:chExt cx="0" cy="0"/>
         </a:xfrm>
       </p:grpSpPr>
+      <p:pic>
+        <p:nvPicPr>
+          <p:cNvPr id="2" name="그림 1"/>
+          <p:cNvPicPr>
+            <a:picLocks noChangeAspect="1"/>
+          </p:cNvPicPr>
+          <p:nvPr/>
+        </p:nvPicPr>
+        <p:blipFill>
+          <a:blip r:embed="rId2"/>
+          <a:stretch>
+            <a:fillRect/>
+          </a:stretch>
+        </p:blipFill>
+        <p:spPr>
+          <a:xfrm>
+            <a:off x="525293" y="1123791"/>
+            <a:ext cx="3319686" cy="3914586"/>
+          </a:xfrm>
+          <a:prstGeom prst="rect">
+            <a:avLst/>
+          </a:prstGeom>
+        </p:spPr>
+      </p:pic>
+      <p:sp>
+        <p:nvSpPr>
+          <p:cNvPr id="3" name="TextBox 2"/>
+          <p:cNvSpPr txBox="1"/>
+          <p:nvPr/>
+        </p:nvSpPr>
+        <p:spPr>
+          <a:xfrm>
+            <a:off x="434714" y="262328"/>
+            <a:ext cx="1872629" cy="369332"/>
+          </a:xfrm>
+          <a:prstGeom prst="rect">
+            <a:avLst/>
+          </a:prstGeom>
+          <a:noFill/>
+        </p:spPr>
+        <p:txBody>
+          <a:bodyPr wrap="none" rtlCol="0">
+            <a:spAutoFit/>
+          </a:bodyPr>
+          <a:lstStyle/>
+          <a:p>
+            <a:r>
+              <a:rPr lang="en-US" altLang="ko-KR" dirty="0"/>
+              <a:t>UI-SJN-42-003L</a:t>
+            </a:r>
+            <a:endParaRPr lang="ko-KR" altLang="en-US" dirty="0"/>
+          </a:p>
+        </p:txBody>
+      </p:sp>
+      <p:pic>
+        <p:nvPicPr>
+          <p:cNvPr id="4" name="그림 3"/>
+          <p:cNvPicPr>
+            <a:picLocks noChangeAspect="1"/>
+          </p:cNvPicPr>
+          <p:nvPr/>
+        </p:nvPicPr>
+        <p:blipFill>
+          <a:blip r:embed="rId3"/>
+          <a:stretch>
+            <a:fillRect/>
+          </a:stretch>
+        </p:blipFill>
+        <p:spPr>
+          <a:xfrm>
+            <a:off x="5878742" y="1123791"/>
+            <a:ext cx="2877286" cy="4155351"/>
+          </a:xfrm>
+          <a:prstGeom prst="rect">
+            <a:avLst/>
+          </a:prstGeom>
+        </p:spPr>
+      </p:pic>
+      <p:cxnSp>
+        <p:nvCxnSpPr>
+          <p:cNvPr id="6" name="직선 화살표 연결선 5"/>
+          <p:cNvCxnSpPr/>
+          <p:nvPr/>
+        </p:nvCxnSpPr>
+        <p:spPr>
+          <a:xfrm>
+            <a:off x="4099810" y="2960557"/>
+            <a:ext cx="1266669" cy="0"/>
+          </a:xfrm>
+          <a:prstGeom prst="straightConnector1">
+            <a:avLst/>
+          </a:prstGeom>
+          <a:ln>
+            <a:tailEnd type="triangle"/>
+          </a:ln>
+        </p:spPr>
+        <p:style>
+          <a:lnRef idx="1">
+            <a:schemeClr val="accent1"/>
+          </a:lnRef>
+          <a:fillRef idx="0">
+            <a:schemeClr val="accent1"/>
+          </a:fillRef>
+          <a:effectRef idx="0">
+            <a:schemeClr val="accent1"/>
+          </a:effectRef>
+          <a:fontRef idx="minor">
+            <a:schemeClr val="tx1"/>
+          </a:fontRef>
+        </p:style>
+      </p:cxnSp>
+      <p:sp>
+        <p:nvSpPr>
+          <p:cNvPr id="7" name="TextBox 6"/>
+          <p:cNvSpPr txBox="1"/>
+          <p:nvPr/>
+        </p:nvSpPr>
+        <p:spPr>
+          <a:xfrm>
+            <a:off x="6196103" y="5506245"/>
+            <a:ext cx="2082621" cy="415498"/>
+          </a:xfrm>
+          <a:prstGeom prst="rect">
+            <a:avLst/>
+          </a:prstGeom>
+          <a:noFill/>
+        </p:spPr>
+        <p:txBody>
+          <a:bodyPr wrap="none" rtlCol="0">
+            <a:spAutoFit/>
+          </a:bodyPr>
+          <a:lstStyle/>
+          <a:p>
+            <a:pPr>
+              <a:lnSpc>
+                <a:spcPct val="150000"/>
+              </a:lnSpc>
+            </a:pPr>
+            <a:r>
+              <a:rPr lang="ko-KR" altLang="en-US" sz="1400" dirty="0" smtClean="0"/>
+              <a:t>디자인이 변경됐습니다</a:t>
+            </a:r>
+            <a:r>
+              <a:rPr lang="en-US" altLang="ko-KR" sz="1400" dirty="0" smtClean="0"/>
+              <a:t>.</a:t>
+            </a:r>
+          </a:p>
+        </p:txBody>
+      </p:sp>
     </p:spTree>
     <p:extLst>
       <p:ext uri="{BB962C8B-B14F-4D97-AF65-F5344CB8AC3E}">
         <p14:creationId xmlns:p14="http://schemas.microsoft.com/office/powerpoint/2010/main" val="2360336414"/>
+      </p:ext>
+    </p:extLst>
+  </p:cSld>
+  <p:clrMapOvr>
+    <a:masterClrMapping/>
+  </p:clrMapOvr>
+</p:sld>
+</file>
+
+<file path=ppt/slides/slide4.xml><?xml version="1.0" encoding="utf-8"?>
+<p:sld xmlns:a="http://schemas.openxmlformats.org/drawingml/2006/main" xmlns:r="http://schemas.openxmlformats.org/officeDocument/2006/relationships" xmlns:p="http://schemas.openxmlformats.org/presentationml/2006/main">
+  <p:cSld>
+    <p:spTree>
+      <p:nvGrpSpPr>
+        <p:cNvPr id="1" name=""/>
+        <p:cNvGrpSpPr/>
+        <p:nvPr/>
+      </p:nvGrpSpPr>
+      <p:grpSpPr>
+        <a:xfrm>
+          <a:off x="0" y="0"/>
+          <a:ext cx="0" cy="0"/>
+          <a:chOff x="0" y="0"/>
+          <a:chExt cx="0" cy="0"/>
+        </a:xfrm>
+      </p:grpSpPr>
+      <p:sp>
+        <p:nvSpPr>
+          <p:cNvPr id="2" name="TextBox 1"/>
+          <p:cNvSpPr txBox="1"/>
+          <p:nvPr/>
+        </p:nvSpPr>
+        <p:spPr>
+          <a:xfrm>
+            <a:off x="434714" y="262328"/>
+            <a:ext cx="1821332" cy="369332"/>
+          </a:xfrm>
+          <a:prstGeom prst="rect">
+            <a:avLst/>
+          </a:prstGeom>
+          <a:noFill/>
+        </p:spPr>
+        <p:txBody>
+          <a:bodyPr wrap="none" rtlCol="0">
+            <a:spAutoFit/>
+          </a:bodyPr>
+          <a:lstStyle/>
+          <a:p>
+            <a:r>
+              <a:rPr lang="en-US" altLang="ko-KR" dirty="0" smtClean="0"/>
+              <a:t>UI-SJN-42-004L</a:t>
+            </a:r>
+            <a:endParaRPr lang="ko-KR" altLang="en-US" dirty="0"/>
+          </a:p>
+        </p:txBody>
+      </p:sp>
+      <p:pic>
+        <p:nvPicPr>
+          <p:cNvPr id="3" name="그림 2"/>
+          <p:cNvPicPr>
+            <a:picLocks noChangeAspect="1"/>
+          </p:cNvPicPr>
+          <p:nvPr/>
+        </p:nvPicPr>
+        <p:blipFill>
+          <a:blip r:embed="rId2"/>
+          <a:stretch>
+            <a:fillRect/>
+          </a:stretch>
+        </p:blipFill>
+        <p:spPr>
+          <a:xfrm>
+            <a:off x="542872" y="944381"/>
+            <a:ext cx="2687545" cy="4396100"/>
+          </a:xfrm>
+          <a:prstGeom prst="rect">
+            <a:avLst/>
+          </a:prstGeom>
+        </p:spPr>
+      </p:pic>
+      <p:pic>
+        <p:nvPicPr>
+          <p:cNvPr id="4" name="그림 3"/>
+          <p:cNvPicPr>
+            <a:picLocks noChangeAspect="1"/>
+          </p:cNvPicPr>
+          <p:nvPr/>
+        </p:nvPicPr>
+        <p:blipFill>
+          <a:blip r:embed="rId3"/>
+          <a:stretch>
+            <a:fillRect/>
+          </a:stretch>
+        </p:blipFill>
+        <p:spPr>
+          <a:xfrm>
+            <a:off x="5261510" y="944381"/>
+            <a:ext cx="2782003" cy="3922374"/>
+          </a:xfrm>
+          <a:prstGeom prst="rect">
+            <a:avLst/>
+          </a:prstGeom>
+        </p:spPr>
+      </p:pic>
+      <p:cxnSp>
+        <p:nvCxnSpPr>
+          <p:cNvPr id="5" name="직선 화살표 연결선 4"/>
+          <p:cNvCxnSpPr/>
+          <p:nvPr/>
+        </p:nvCxnSpPr>
+        <p:spPr>
+          <a:xfrm>
+            <a:off x="3612629" y="2923081"/>
+            <a:ext cx="1266669" cy="0"/>
+          </a:xfrm>
+          <a:prstGeom prst="straightConnector1">
+            <a:avLst/>
+          </a:prstGeom>
+          <a:ln>
+            <a:tailEnd type="triangle"/>
+          </a:ln>
+        </p:spPr>
+        <p:style>
+          <a:lnRef idx="1">
+            <a:schemeClr val="accent1"/>
+          </a:lnRef>
+          <a:fillRef idx="0">
+            <a:schemeClr val="accent1"/>
+          </a:fillRef>
+          <a:effectRef idx="0">
+            <a:schemeClr val="accent1"/>
+          </a:effectRef>
+          <a:fontRef idx="minor">
+            <a:schemeClr val="tx1"/>
+          </a:fontRef>
+        </p:style>
+      </p:cxnSp>
+      <p:sp>
+        <p:nvSpPr>
+          <p:cNvPr id="6" name="TextBox 5"/>
+          <p:cNvSpPr txBox="1"/>
+          <p:nvPr/>
+        </p:nvSpPr>
+        <p:spPr>
+          <a:xfrm>
+            <a:off x="5611200" y="5340481"/>
+            <a:ext cx="2082621" cy="415498"/>
+          </a:xfrm>
+          <a:prstGeom prst="rect">
+            <a:avLst/>
+          </a:prstGeom>
+          <a:noFill/>
+        </p:spPr>
+        <p:txBody>
+          <a:bodyPr wrap="none" rtlCol="0">
+            <a:spAutoFit/>
+          </a:bodyPr>
+          <a:lstStyle/>
+          <a:p>
+            <a:pPr>
+              <a:lnSpc>
+                <a:spcPct val="150000"/>
+              </a:lnSpc>
+            </a:pPr>
+            <a:r>
+              <a:rPr lang="ko-KR" altLang="en-US" sz="1400" dirty="0" smtClean="0"/>
+              <a:t>디자인이 변경됐습니다</a:t>
+            </a:r>
+            <a:r>
+              <a:rPr lang="en-US" altLang="ko-KR" sz="1400" dirty="0" smtClean="0"/>
+              <a:t>.</a:t>
+            </a:r>
+          </a:p>
+        </p:txBody>
+      </p:sp>
+    </p:spTree>
+    <p:extLst>
+      <p:ext uri="{BB962C8B-B14F-4D97-AF65-F5344CB8AC3E}">
+        <p14:creationId xmlns:p14="http://schemas.microsoft.com/office/powerpoint/2010/main" val="1984439742"/>
+      </p:ext>
+    </p:extLst>
+  </p:cSld>
+  <p:clrMapOvr>
+    <a:masterClrMapping/>
+  </p:clrMapOvr>
+</p:sld>
+</file>
+
+<file path=ppt/slides/slide5.xml><?xml version="1.0" encoding="utf-8"?>
+<p:sld xmlns:a="http://schemas.openxmlformats.org/drawingml/2006/main" xmlns:r="http://schemas.openxmlformats.org/officeDocument/2006/relationships" xmlns:p="http://schemas.openxmlformats.org/presentationml/2006/main">
+  <p:cSld>
+    <p:spTree>
+      <p:nvGrpSpPr>
+        <p:cNvPr id="1" name=""/>
+        <p:cNvGrpSpPr/>
+        <p:nvPr/>
+      </p:nvGrpSpPr>
+      <p:grpSpPr>
+        <a:xfrm>
+          <a:off x="0" y="0"/>
+          <a:ext cx="0" cy="0"/>
+          <a:chOff x="0" y="0"/>
+          <a:chExt cx="0" cy="0"/>
+        </a:xfrm>
+      </p:grpSpPr>
+      <p:sp>
+        <p:nvSpPr>
+          <p:cNvPr id="2" name="TextBox 1"/>
+          <p:cNvSpPr txBox="1"/>
+          <p:nvPr/>
+        </p:nvSpPr>
+        <p:spPr>
+          <a:xfrm>
+            <a:off x="434714" y="262328"/>
+            <a:ext cx="1821332" cy="369332"/>
+          </a:xfrm>
+          <a:prstGeom prst="rect">
+            <a:avLst/>
+          </a:prstGeom>
+          <a:noFill/>
+        </p:spPr>
+        <p:txBody>
+          <a:bodyPr wrap="none" rtlCol="0">
+            <a:spAutoFit/>
+          </a:bodyPr>
+          <a:lstStyle/>
+          <a:p>
+            <a:r>
+              <a:rPr lang="en-US" altLang="ko-KR" dirty="0"/>
+              <a:t>UI-SJN-60-001L</a:t>
+            </a:r>
+            <a:endParaRPr lang="ko-KR" altLang="en-US" dirty="0"/>
+          </a:p>
+        </p:txBody>
+      </p:sp>
+      <p:pic>
+        <p:nvPicPr>
+          <p:cNvPr id="3" name="그림 2"/>
+          <p:cNvPicPr>
+            <a:picLocks noChangeAspect="1"/>
+          </p:cNvPicPr>
+          <p:nvPr/>
+        </p:nvPicPr>
+        <p:blipFill>
+          <a:blip r:embed="rId2"/>
+          <a:stretch>
+            <a:fillRect/>
+          </a:stretch>
+        </p:blipFill>
+        <p:spPr>
+          <a:xfrm>
+            <a:off x="5625380" y="1555950"/>
+            <a:ext cx="4344006" cy="3086531"/>
+          </a:xfrm>
+          <a:prstGeom prst="rect">
+            <a:avLst/>
+          </a:prstGeom>
+        </p:spPr>
+      </p:pic>
+      <p:pic>
+        <p:nvPicPr>
+          <p:cNvPr id="4" name="그림 3"/>
+          <p:cNvPicPr>
+            <a:picLocks noChangeAspect="1"/>
+          </p:cNvPicPr>
+          <p:nvPr/>
+        </p:nvPicPr>
+        <p:blipFill>
+          <a:blip r:embed="rId3"/>
+          <a:stretch>
+            <a:fillRect/>
+          </a:stretch>
+        </p:blipFill>
+        <p:spPr>
+          <a:xfrm>
+            <a:off x="434714" y="1555950"/>
+            <a:ext cx="4248743" cy="3057952"/>
+          </a:xfrm>
+          <a:prstGeom prst="rect">
+            <a:avLst/>
+          </a:prstGeom>
+        </p:spPr>
+      </p:pic>
+      <p:cxnSp>
+        <p:nvCxnSpPr>
+          <p:cNvPr id="6" name="직선 화살표 연결선 5"/>
+          <p:cNvCxnSpPr/>
+          <p:nvPr/>
+        </p:nvCxnSpPr>
+        <p:spPr>
+          <a:xfrm>
+            <a:off x="4886793" y="3099215"/>
+            <a:ext cx="584617" cy="0"/>
+          </a:xfrm>
+          <a:prstGeom prst="straightConnector1">
+            <a:avLst/>
+          </a:prstGeom>
+          <a:ln>
+            <a:tailEnd type="triangle"/>
+          </a:ln>
+        </p:spPr>
+        <p:style>
+          <a:lnRef idx="1">
+            <a:schemeClr val="accent1"/>
+          </a:lnRef>
+          <a:fillRef idx="0">
+            <a:schemeClr val="accent1"/>
+          </a:fillRef>
+          <a:effectRef idx="0">
+            <a:schemeClr val="accent1"/>
+          </a:effectRef>
+          <a:fontRef idx="minor">
+            <a:schemeClr val="tx1"/>
+          </a:fontRef>
+        </p:style>
+      </p:cxnSp>
+      <p:sp>
+        <p:nvSpPr>
+          <p:cNvPr id="7" name="TextBox 6"/>
+          <p:cNvSpPr txBox="1"/>
+          <p:nvPr/>
+        </p:nvSpPr>
+        <p:spPr>
+          <a:xfrm>
+            <a:off x="6756072" y="5055668"/>
+            <a:ext cx="2082621" cy="415498"/>
+          </a:xfrm>
+          <a:prstGeom prst="rect">
+            <a:avLst/>
+          </a:prstGeom>
+          <a:noFill/>
+        </p:spPr>
+        <p:txBody>
+          <a:bodyPr wrap="none" rtlCol="0">
+            <a:spAutoFit/>
+          </a:bodyPr>
+          <a:lstStyle/>
+          <a:p>
+            <a:pPr>
+              <a:lnSpc>
+                <a:spcPct val="150000"/>
+              </a:lnSpc>
+            </a:pPr>
+            <a:r>
+              <a:rPr lang="ko-KR" altLang="en-US" sz="1400" dirty="0" smtClean="0"/>
+              <a:t>디자인이 변경됐습니다</a:t>
+            </a:r>
+            <a:r>
+              <a:rPr lang="en-US" altLang="ko-KR" sz="1400" dirty="0" smtClean="0"/>
+              <a:t>.</a:t>
+            </a:r>
+          </a:p>
+        </p:txBody>
+      </p:sp>
+    </p:spTree>
+    <p:extLst>
+      <p:ext uri="{BB962C8B-B14F-4D97-AF65-F5344CB8AC3E}">
+        <p14:creationId xmlns:p14="http://schemas.microsoft.com/office/powerpoint/2010/main" val="2659675038"/>
+      </p:ext>
+    </p:extLst>
+  </p:cSld>
+  <p:clrMapOvr>
+    <a:masterClrMapping/>
+  </p:clrMapOvr>
+</p:sld>
+</file>
+
+<file path=ppt/slides/slide6.xml><?xml version="1.0" encoding="utf-8"?>
+<p:sld xmlns:a="http://schemas.openxmlformats.org/drawingml/2006/main" xmlns:r="http://schemas.openxmlformats.org/officeDocument/2006/relationships" xmlns:p="http://schemas.openxmlformats.org/presentationml/2006/main">
+  <p:cSld>
+    <p:spTree>
+      <p:nvGrpSpPr>
+        <p:cNvPr id="1" name=""/>
+        <p:cNvGrpSpPr/>
+        <p:nvPr/>
+      </p:nvGrpSpPr>
+      <p:grpSpPr>
+        <a:xfrm>
+          <a:off x="0" y="0"/>
+          <a:ext cx="0" cy="0"/>
+          <a:chOff x="0" y="0"/>
+          <a:chExt cx="0" cy="0"/>
+        </a:xfrm>
+      </p:grpSpPr>
+      <p:sp>
+        <p:nvSpPr>
+          <p:cNvPr id="2" name="TextBox 1"/>
+          <p:cNvSpPr txBox="1"/>
+          <p:nvPr/>
+        </p:nvSpPr>
+        <p:spPr>
+          <a:xfrm>
+            <a:off x="434714" y="262328"/>
+            <a:ext cx="2204450" cy="369332"/>
+          </a:xfrm>
+          <a:prstGeom prst="rect">
+            <a:avLst/>
+          </a:prstGeom>
+          <a:noFill/>
+        </p:spPr>
+        <p:txBody>
+          <a:bodyPr wrap="none" rtlCol="0">
+            <a:spAutoFit/>
+          </a:bodyPr>
+          <a:lstStyle/>
+          <a:p>
+            <a:r>
+              <a:rPr lang="en-US" altLang="ko-KR" dirty="0"/>
+              <a:t>common_mapicons</a:t>
+            </a:r>
+            <a:endParaRPr lang="ko-KR" altLang="en-US" dirty="0"/>
+          </a:p>
+        </p:txBody>
+      </p:sp>
+      <p:sp>
+        <p:nvSpPr>
+          <p:cNvPr id="7" name="TextBox 6"/>
+          <p:cNvSpPr txBox="1"/>
+          <p:nvPr/>
+        </p:nvSpPr>
+        <p:spPr>
+          <a:xfrm>
+            <a:off x="2564213" y="2829628"/>
+            <a:ext cx="543739" cy="415498"/>
+          </a:xfrm>
+          <a:prstGeom prst="rect">
+            <a:avLst/>
+          </a:prstGeom>
+          <a:noFill/>
+        </p:spPr>
+        <p:txBody>
+          <a:bodyPr wrap="none" rtlCol="0">
+            <a:spAutoFit/>
+          </a:bodyPr>
+          <a:lstStyle/>
+          <a:p>
+            <a:pPr>
+              <a:lnSpc>
+                <a:spcPct val="150000"/>
+              </a:lnSpc>
+            </a:pPr>
+            <a:r>
+              <a:rPr lang="ko-KR" altLang="en-US" sz="1400" dirty="0" smtClean="0"/>
+              <a:t>추가</a:t>
+            </a:r>
+            <a:endParaRPr lang="en-US" altLang="ko-KR" sz="1400" dirty="0" smtClean="0"/>
+          </a:p>
+        </p:txBody>
+      </p:sp>
+      <p:pic>
+        <p:nvPicPr>
+          <p:cNvPr id="5" name="그림 4"/>
+          <p:cNvPicPr>
+            <a:picLocks noChangeAspect="1"/>
+          </p:cNvPicPr>
+          <p:nvPr/>
+        </p:nvPicPr>
+        <p:blipFill>
+          <a:blip r:embed="rId2"/>
+          <a:stretch>
+            <a:fillRect/>
+          </a:stretch>
+        </p:blipFill>
+        <p:spPr>
+          <a:xfrm>
+            <a:off x="670975" y="1169232"/>
+            <a:ext cx="1511369" cy="4973780"/>
+          </a:xfrm>
+          <a:prstGeom prst="rect">
+            <a:avLst/>
+          </a:prstGeom>
+        </p:spPr>
+      </p:pic>
+      <p:cxnSp>
+        <p:nvCxnSpPr>
+          <p:cNvPr id="9" name="직선 화살표 연결선 8"/>
+          <p:cNvCxnSpPr/>
+          <p:nvPr/>
+        </p:nvCxnSpPr>
+        <p:spPr>
+          <a:xfrm flipH="1" flipV="1">
+            <a:off x="1426659" y="2840636"/>
+            <a:ext cx="926797" cy="157397"/>
+          </a:xfrm>
+          <a:prstGeom prst="straightConnector1">
+            <a:avLst/>
+          </a:prstGeom>
+          <a:ln>
+            <a:tailEnd type="triangle"/>
+          </a:ln>
+        </p:spPr>
+        <p:style>
+          <a:lnRef idx="1">
+            <a:schemeClr val="accent1"/>
+          </a:lnRef>
+          <a:fillRef idx="0">
+            <a:schemeClr val="accent1"/>
+          </a:fillRef>
+          <a:effectRef idx="0">
+            <a:schemeClr val="accent1"/>
+          </a:effectRef>
+          <a:fontRef idx="minor">
+            <a:schemeClr val="tx1"/>
+          </a:fontRef>
+        </p:style>
+      </p:cxnSp>
+      <p:cxnSp>
+        <p:nvCxnSpPr>
+          <p:cNvPr id="11" name="직선 화살표 연결선 10"/>
+          <p:cNvCxnSpPr/>
+          <p:nvPr/>
+        </p:nvCxnSpPr>
+        <p:spPr>
+          <a:xfrm flipH="1">
+            <a:off x="1426659" y="3140439"/>
+            <a:ext cx="949282" cy="104687"/>
+          </a:xfrm>
+          <a:prstGeom prst="straightConnector1">
+            <a:avLst/>
+          </a:prstGeom>
+          <a:ln>
+            <a:tailEnd type="triangle"/>
+          </a:ln>
+        </p:spPr>
+        <p:style>
+          <a:lnRef idx="1">
+            <a:schemeClr val="accent1"/>
+          </a:lnRef>
+          <a:fillRef idx="0">
+            <a:schemeClr val="accent1"/>
+          </a:fillRef>
+          <a:effectRef idx="0">
+            <a:schemeClr val="accent1"/>
+          </a:effectRef>
+          <a:fontRef idx="minor">
+            <a:schemeClr val="tx1"/>
+          </a:fontRef>
+        </p:style>
+      </p:cxnSp>
+      <p:sp>
+        <p:nvSpPr>
+          <p:cNvPr id="12" name="TextBox 11"/>
+          <p:cNvSpPr txBox="1"/>
+          <p:nvPr/>
+        </p:nvSpPr>
+        <p:spPr>
+          <a:xfrm>
+            <a:off x="4447587" y="2829628"/>
+            <a:ext cx="3542958" cy="307777"/>
+          </a:xfrm>
+          <a:prstGeom prst="rect">
+            <a:avLst/>
+          </a:prstGeom>
+          <a:noFill/>
+        </p:spPr>
+        <p:txBody>
+          <a:bodyPr wrap="none" rtlCol="0">
+            <a:spAutoFit/>
+          </a:bodyPr>
+          <a:lstStyle/>
+          <a:p>
+            <a:r>
+              <a:rPr lang="en-US" altLang="ko-KR" sz="1400" dirty="0" smtClean="0"/>
+              <a:t>common_mapicons </a:t>
+            </a:r>
+            <a:r>
+              <a:rPr lang="ko-KR" altLang="en-US" sz="1400" dirty="0" smtClean="0"/>
+              <a:t>파일에 </a:t>
+            </a:r>
+            <a:r>
+              <a:rPr lang="ko-KR" altLang="en-US" sz="1400" dirty="0" err="1" smtClean="0"/>
+              <a:t>모아놨습니다</a:t>
+            </a:r>
+            <a:r>
+              <a:rPr lang="en-US" altLang="ko-KR" sz="1400" dirty="0" smtClean="0"/>
+              <a:t>.</a:t>
+            </a:r>
+            <a:endParaRPr lang="ko-KR" altLang="en-US" sz="1400" dirty="0"/>
+          </a:p>
+        </p:txBody>
+      </p:sp>
+    </p:spTree>
+    <p:extLst>
+      <p:ext uri="{BB962C8B-B14F-4D97-AF65-F5344CB8AC3E}">
+        <p14:creationId xmlns:p14="http://schemas.microsoft.com/office/powerpoint/2010/main" val="519654576"/>
+      </p:ext>
+    </p:extLst>
+  </p:cSld>
+  <p:clrMapOvr>
+    <a:masterClrMapping/>
+  </p:clrMapOvr>
+</p:sld>
+</file>
+
+<file path=ppt/slides/slide7.xml><?xml version="1.0" encoding="utf-8"?>
+<p:sld xmlns:a="http://schemas.openxmlformats.org/drawingml/2006/main" xmlns:r="http://schemas.openxmlformats.org/officeDocument/2006/relationships" xmlns:p="http://schemas.openxmlformats.org/presentationml/2006/main">
+  <p:cSld>
+    <p:spTree>
+      <p:nvGrpSpPr>
+        <p:cNvPr id="1" name=""/>
+        <p:cNvGrpSpPr/>
+        <p:nvPr/>
+      </p:nvGrpSpPr>
+      <p:grpSpPr>
+        <a:xfrm>
+          <a:off x="0" y="0"/>
+          <a:ext cx="0" cy="0"/>
+          <a:chOff x="0" y="0"/>
+          <a:chExt cx="0" cy="0"/>
+        </a:xfrm>
+      </p:grpSpPr>
+    </p:spTree>
+    <p:extLst>
+      <p:ext uri="{BB962C8B-B14F-4D97-AF65-F5344CB8AC3E}">
+        <p14:creationId xmlns:p14="http://schemas.microsoft.com/office/powerpoint/2010/main" val="821075072"/>
       </p:ext>
     </p:extLst>
   </p:cSld>

--- a/ppt/04-03.pptx
+++ b/ppt/04-03.pptx
@@ -3414,30 +3414,6 @@
           </a:p>
         </p:txBody>
       </p:sp>
-      <p:pic>
-        <p:nvPicPr>
-          <p:cNvPr id="4" name="그림 3"/>
-          <p:cNvPicPr>
-            <a:picLocks noChangeAspect="1"/>
-          </p:cNvPicPr>
-          <p:nvPr/>
-        </p:nvPicPr>
-        <p:blipFill>
-          <a:blip r:embed="rId3"/>
-          <a:stretch>
-            <a:fillRect/>
-          </a:stretch>
-        </p:blipFill>
-        <p:spPr>
-          <a:xfrm>
-            <a:off x="5878742" y="1123791"/>
-            <a:ext cx="2877286" cy="4155351"/>
-          </a:xfrm>
-          <a:prstGeom prst="rect">
-            <a:avLst/>
-          </a:prstGeom>
-        </p:spPr>
-      </p:pic>
       <p:cxnSp>
         <p:nvCxnSpPr>
           <p:cNvPr id="6" name="직선 화살표 연결선 5"/>
@@ -3509,6 +3485,30 @@
           </a:p>
         </p:txBody>
       </p:sp>
+      <p:pic>
+        <p:nvPicPr>
+          <p:cNvPr id="8" name="그림 7"/>
+          <p:cNvPicPr>
+            <a:picLocks noChangeAspect="1"/>
+          </p:cNvPicPr>
+          <p:nvPr/>
+        </p:nvPicPr>
+        <p:blipFill>
+          <a:blip r:embed="rId3"/>
+          <a:stretch>
+            <a:fillRect/>
+          </a:stretch>
+        </p:blipFill>
+        <p:spPr>
+          <a:xfrm>
+            <a:off x="5553856" y="1018860"/>
+            <a:ext cx="3252865" cy="4182256"/>
+          </a:xfrm>
+          <a:prstGeom prst="rect">
+            <a:avLst/>
+          </a:prstGeom>
+        </p:spPr>
+      </p:pic>
     </p:spTree>
     <p:extLst>
       <p:ext uri="{BB962C8B-B14F-4D97-AF65-F5344CB8AC3E}">
@@ -3593,30 +3593,6 @@
           </a:prstGeom>
         </p:spPr>
       </p:pic>
-      <p:pic>
-        <p:nvPicPr>
-          <p:cNvPr id="4" name="그림 3"/>
-          <p:cNvPicPr>
-            <a:picLocks noChangeAspect="1"/>
-          </p:cNvPicPr>
-          <p:nvPr/>
-        </p:nvPicPr>
-        <p:blipFill>
-          <a:blip r:embed="rId3"/>
-          <a:stretch>
-            <a:fillRect/>
-          </a:stretch>
-        </p:blipFill>
-        <p:spPr>
-          <a:xfrm>
-            <a:off x="5261510" y="944381"/>
-            <a:ext cx="2782003" cy="3922374"/>
-          </a:xfrm>
-          <a:prstGeom prst="rect">
-            <a:avLst/>
-          </a:prstGeom>
-        </p:spPr>
-      </p:pic>
       <p:cxnSp>
         <p:nvCxnSpPr>
           <p:cNvPr id="5" name="직선 화살표 연결선 4"/>
@@ -3688,6 +3664,30 @@
           </a:p>
         </p:txBody>
       </p:sp>
+      <p:pic>
+        <p:nvPicPr>
+          <p:cNvPr id="7" name="그림 6"/>
+          <p:cNvPicPr>
+            <a:picLocks noChangeAspect="1"/>
+          </p:cNvPicPr>
+          <p:nvPr/>
+        </p:nvPicPr>
+        <p:blipFill>
+          <a:blip r:embed="rId3"/>
+          <a:stretch>
+            <a:fillRect/>
+          </a:stretch>
+        </p:blipFill>
+        <p:spPr>
+          <a:xfrm>
+            <a:off x="5092099" y="944381"/>
+            <a:ext cx="3120821" cy="3813543"/>
+          </a:xfrm>
+          <a:prstGeom prst="rect">
+            <a:avLst/>
+          </a:prstGeom>
+        </p:spPr>
+      </p:pic>
     </p:spTree>
     <p:extLst>
       <p:ext uri="{BB962C8B-B14F-4D97-AF65-F5344CB8AC3E}">

--- a/ppt/04-03.pptx
+++ b/ppt/04-03.pptx
@@ -11,7 +11,18 @@
     <p:sldId id="260" r:id="rId5"/>
     <p:sldId id="261" r:id="rId6"/>
     <p:sldId id="263" r:id="rId7"/>
-    <p:sldId id="262" r:id="rId8"/>
+    <p:sldId id="274" r:id="rId8"/>
+    <p:sldId id="267" r:id="rId9"/>
+    <p:sldId id="262" r:id="rId10"/>
+    <p:sldId id="264" r:id="rId11"/>
+    <p:sldId id="265" r:id="rId12"/>
+    <p:sldId id="266" r:id="rId13"/>
+    <p:sldId id="268" r:id="rId14"/>
+    <p:sldId id="273" r:id="rId15"/>
+    <p:sldId id="269" r:id="rId16"/>
+    <p:sldId id="270" r:id="rId17"/>
+    <p:sldId id="271" r:id="rId18"/>
+    <p:sldId id="272" r:id="rId19"/>
   </p:sldIdLst>
   <p:sldSz cx="12192000" cy="6858000"/>
   <p:notesSz cx="6858000" cy="9144000"/>
@@ -3072,6 +3083,688 @@
 </p:sld>
 </file>
 
+<file path=ppt/slides/slide10.xml><?xml version="1.0" encoding="utf-8"?>
+<p:sld xmlns:a="http://schemas.openxmlformats.org/drawingml/2006/main" xmlns:r="http://schemas.openxmlformats.org/officeDocument/2006/relationships" xmlns:p="http://schemas.openxmlformats.org/presentationml/2006/main">
+  <p:cSld>
+    <p:spTree>
+      <p:nvGrpSpPr>
+        <p:cNvPr id="1" name=""/>
+        <p:cNvGrpSpPr/>
+        <p:nvPr/>
+      </p:nvGrpSpPr>
+      <p:grpSpPr>
+        <a:xfrm>
+          <a:off x="0" y="0"/>
+          <a:ext cx="0" cy="0"/>
+          <a:chOff x="0" y="0"/>
+          <a:chExt cx="0" cy="0"/>
+        </a:xfrm>
+      </p:grpSpPr>
+      <p:pic>
+        <p:nvPicPr>
+          <p:cNvPr id="2" name="그림 1"/>
+          <p:cNvPicPr>
+            <a:picLocks noChangeAspect="1"/>
+          </p:cNvPicPr>
+          <p:nvPr/>
+        </p:nvPicPr>
+        <p:blipFill>
+          <a:blip r:embed="rId2"/>
+          <a:stretch>
+            <a:fillRect/>
+          </a:stretch>
+        </p:blipFill>
+        <p:spPr>
+          <a:xfrm>
+            <a:off x="1703981" y="986637"/>
+            <a:ext cx="4182059" cy="1876687"/>
+          </a:xfrm>
+          <a:prstGeom prst="rect">
+            <a:avLst/>
+          </a:prstGeom>
+        </p:spPr>
+      </p:pic>
+      <p:sp>
+        <p:nvSpPr>
+          <p:cNvPr id="3" name="TextBox 2"/>
+          <p:cNvSpPr txBox="1"/>
+          <p:nvPr/>
+        </p:nvSpPr>
+        <p:spPr>
+          <a:xfrm>
+            <a:off x="7045377" y="1486940"/>
+            <a:ext cx="1420582" cy="369332"/>
+          </a:xfrm>
+          <a:prstGeom prst="rect">
+            <a:avLst/>
+          </a:prstGeom>
+          <a:noFill/>
+        </p:spPr>
+        <p:txBody>
+          <a:bodyPr wrap="none" rtlCol="0">
+            <a:spAutoFit/>
+          </a:bodyPr>
+          <a:lstStyle/>
+          <a:p>
+            <a:r>
+              <a:rPr lang="ko-KR" altLang="en-US" dirty="0" smtClean="0"/>
+              <a:t>디자인 필요</a:t>
+            </a:r>
+            <a:endParaRPr lang="ko-KR" altLang="en-US" dirty="0"/>
+          </a:p>
+        </p:txBody>
+      </p:sp>
+      <p:pic>
+        <p:nvPicPr>
+          <p:cNvPr id="4" name="그림 3"/>
+          <p:cNvPicPr>
+            <a:picLocks noChangeAspect="1"/>
+          </p:cNvPicPr>
+          <p:nvPr/>
+        </p:nvPicPr>
+        <p:blipFill>
+          <a:blip r:embed="rId3"/>
+          <a:stretch>
+            <a:fillRect/>
+          </a:stretch>
+        </p:blipFill>
+        <p:spPr>
+          <a:xfrm>
+            <a:off x="1824368" y="3423737"/>
+            <a:ext cx="4943692" cy="2507361"/>
+          </a:xfrm>
+          <a:prstGeom prst="rect">
+            <a:avLst/>
+          </a:prstGeom>
+        </p:spPr>
+      </p:pic>
+    </p:spTree>
+    <p:extLst>
+      <p:ext uri="{BB962C8B-B14F-4D97-AF65-F5344CB8AC3E}">
+        <p14:creationId xmlns:p14="http://schemas.microsoft.com/office/powerpoint/2010/main" val="3517477021"/>
+      </p:ext>
+    </p:extLst>
+  </p:cSld>
+  <p:clrMapOvr>
+    <a:masterClrMapping/>
+  </p:clrMapOvr>
+</p:sld>
+</file>
+
+<file path=ppt/slides/slide11.xml><?xml version="1.0" encoding="utf-8"?>
+<p:sld xmlns:a="http://schemas.openxmlformats.org/drawingml/2006/main" xmlns:r="http://schemas.openxmlformats.org/officeDocument/2006/relationships" xmlns:p="http://schemas.openxmlformats.org/presentationml/2006/main">
+  <p:cSld>
+    <p:spTree>
+      <p:nvGrpSpPr>
+        <p:cNvPr id="1" name=""/>
+        <p:cNvGrpSpPr/>
+        <p:nvPr/>
+      </p:nvGrpSpPr>
+      <p:grpSpPr>
+        <a:xfrm>
+          <a:off x="0" y="0"/>
+          <a:ext cx="0" cy="0"/>
+          <a:chOff x="0" y="0"/>
+          <a:chExt cx="0" cy="0"/>
+        </a:xfrm>
+      </p:grpSpPr>
+      <p:pic>
+        <p:nvPicPr>
+          <p:cNvPr id="2" name="그림 1"/>
+          <p:cNvPicPr>
+            <a:picLocks noChangeAspect="1"/>
+          </p:cNvPicPr>
+          <p:nvPr/>
+        </p:nvPicPr>
+        <p:blipFill>
+          <a:blip r:embed="rId2"/>
+          <a:stretch>
+            <a:fillRect/>
+          </a:stretch>
+        </p:blipFill>
+        <p:spPr>
+          <a:xfrm>
+            <a:off x="4052602" y="995023"/>
+            <a:ext cx="4086795" cy="4867954"/>
+          </a:xfrm>
+          <a:prstGeom prst="rect">
+            <a:avLst/>
+          </a:prstGeom>
+        </p:spPr>
+      </p:pic>
+    </p:spTree>
+    <p:extLst>
+      <p:ext uri="{BB962C8B-B14F-4D97-AF65-F5344CB8AC3E}">
+        <p14:creationId xmlns:p14="http://schemas.microsoft.com/office/powerpoint/2010/main" val="843831655"/>
+      </p:ext>
+    </p:extLst>
+  </p:cSld>
+  <p:clrMapOvr>
+    <a:masterClrMapping/>
+  </p:clrMapOvr>
+</p:sld>
+</file>
+
+<file path=ppt/slides/slide12.xml><?xml version="1.0" encoding="utf-8"?>
+<p:sld xmlns:a="http://schemas.openxmlformats.org/drawingml/2006/main" xmlns:r="http://schemas.openxmlformats.org/officeDocument/2006/relationships" xmlns:p="http://schemas.openxmlformats.org/presentationml/2006/main">
+  <p:cSld>
+    <p:spTree>
+      <p:nvGrpSpPr>
+        <p:cNvPr id="1" name=""/>
+        <p:cNvGrpSpPr/>
+        <p:nvPr/>
+      </p:nvGrpSpPr>
+      <p:grpSpPr>
+        <a:xfrm>
+          <a:off x="0" y="0"/>
+          <a:ext cx="0" cy="0"/>
+          <a:chOff x="0" y="0"/>
+          <a:chExt cx="0" cy="0"/>
+        </a:xfrm>
+      </p:grpSpPr>
+      <p:pic>
+        <p:nvPicPr>
+          <p:cNvPr id="2" name="그림 1"/>
+          <p:cNvPicPr>
+            <a:picLocks noChangeAspect="1"/>
+          </p:cNvPicPr>
+          <p:nvPr/>
+        </p:nvPicPr>
+        <p:blipFill>
+          <a:blip r:embed="rId2"/>
+          <a:stretch>
+            <a:fillRect/>
+          </a:stretch>
+        </p:blipFill>
+        <p:spPr>
+          <a:xfrm>
+            <a:off x="1871603" y="2120609"/>
+            <a:ext cx="4191585" cy="3801005"/>
+          </a:xfrm>
+          <a:prstGeom prst="rect">
+            <a:avLst/>
+          </a:prstGeom>
+        </p:spPr>
+      </p:pic>
+      <p:sp>
+        <p:nvSpPr>
+          <p:cNvPr id="3" name="TextBox 2"/>
+          <p:cNvSpPr txBox="1"/>
+          <p:nvPr/>
+        </p:nvSpPr>
+        <p:spPr>
+          <a:xfrm>
+            <a:off x="6813030" y="2443397"/>
+            <a:ext cx="2194832" cy="369332"/>
+          </a:xfrm>
+          <a:prstGeom prst="rect">
+            <a:avLst/>
+          </a:prstGeom>
+          <a:noFill/>
+        </p:spPr>
+        <p:txBody>
+          <a:bodyPr wrap="none" rtlCol="0">
+            <a:spAutoFit/>
+          </a:bodyPr>
+          <a:lstStyle/>
+          <a:p>
+            <a:r>
+              <a:rPr lang="ko-KR" altLang="en-US" dirty="0" smtClean="0"/>
+              <a:t>데이터 없음 아이콘</a:t>
+            </a:r>
+            <a:endParaRPr lang="ko-KR" altLang="en-US" dirty="0"/>
+          </a:p>
+        </p:txBody>
+      </p:sp>
+      <p:pic>
+        <p:nvPicPr>
+          <p:cNvPr id="4" name="그림 3"/>
+          <p:cNvPicPr>
+            <a:picLocks noChangeAspect="1"/>
+          </p:cNvPicPr>
+          <p:nvPr/>
+        </p:nvPicPr>
+        <p:blipFill>
+          <a:blip r:embed="rId3"/>
+          <a:stretch>
+            <a:fillRect/>
+          </a:stretch>
+        </p:blipFill>
+        <p:spPr>
+          <a:xfrm>
+            <a:off x="7218315" y="3651135"/>
+            <a:ext cx="2162477" cy="2029108"/>
+          </a:xfrm>
+          <a:prstGeom prst="rect">
+            <a:avLst/>
+          </a:prstGeom>
+        </p:spPr>
+      </p:pic>
+      <p:sp>
+        <p:nvSpPr>
+          <p:cNvPr id="5" name="TextBox 4"/>
+          <p:cNvSpPr txBox="1"/>
+          <p:nvPr/>
+        </p:nvSpPr>
+        <p:spPr>
+          <a:xfrm>
+            <a:off x="9641174" y="4814342"/>
+            <a:ext cx="646331" cy="369332"/>
+          </a:xfrm>
+          <a:prstGeom prst="rect">
+            <a:avLst/>
+          </a:prstGeom>
+          <a:noFill/>
+        </p:spPr>
+        <p:txBody>
+          <a:bodyPr wrap="none" rtlCol="0">
+            <a:spAutoFit/>
+          </a:bodyPr>
+          <a:lstStyle/>
+          <a:p>
+            <a:r>
+              <a:rPr lang="ko-KR" altLang="en-US" dirty="0" smtClean="0"/>
+              <a:t>회색</a:t>
+            </a:r>
+            <a:endParaRPr lang="ko-KR" altLang="en-US" dirty="0"/>
+          </a:p>
+        </p:txBody>
+      </p:sp>
+    </p:spTree>
+    <p:extLst>
+      <p:ext uri="{BB962C8B-B14F-4D97-AF65-F5344CB8AC3E}">
+        <p14:creationId xmlns:p14="http://schemas.microsoft.com/office/powerpoint/2010/main" val="2145096714"/>
+      </p:ext>
+    </p:extLst>
+  </p:cSld>
+  <p:clrMapOvr>
+    <a:masterClrMapping/>
+  </p:clrMapOvr>
+</p:sld>
+</file>
+
+<file path=ppt/slides/slide13.xml><?xml version="1.0" encoding="utf-8"?>
+<p:sld xmlns:a="http://schemas.openxmlformats.org/drawingml/2006/main" xmlns:r="http://schemas.openxmlformats.org/officeDocument/2006/relationships" xmlns:p="http://schemas.openxmlformats.org/presentationml/2006/main">
+  <p:cSld>
+    <p:spTree>
+      <p:nvGrpSpPr>
+        <p:cNvPr id="1" name=""/>
+        <p:cNvGrpSpPr/>
+        <p:nvPr/>
+      </p:nvGrpSpPr>
+      <p:grpSpPr>
+        <a:xfrm>
+          <a:off x="0" y="0"/>
+          <a:ext cx="0" cy="0"/>
+          <a:chOff x="0" y="0"/>
+          <a:chExt cx="0" cy="0"/>
+        </a:xfrm>
+      </p:grpSpPr>
+      <p:pic>
+        <p:nvPicPr>
+          <p:cNvPr id="2" name="그림 1"/>
+          <p:cNvPicPr>
+            <a:picLocks noChangeAspect="1"/>
+          </p:cNvPicPr>
+          <p:nvPr/>
+        </p:nvPicPr>
+        <p:blipFill>
+          <a:blip r:embed="rId2"/>
+          <a:stretch>
+            <a:fillRect/>
+          </a:stretch>
+        </p:blipFill>
+        <p:spPr>
+          <a:xfrm>
+            <a:off x="2779769" y="2408903"/>
+            <a:ext cx="4039164" cy="885949"/>
+          </a:xfrm>
+          <a:prstGeom prst="rect">
+            <a:avLst/>
+          </a:prstGeom>
+        </p:spPr>
+      </p:pic>
+      <p:sp>
+        <p:nvSpPr>
+          <p:cNvPr id="3" name="TextBox 2"/>
+          <p:cNvSpPr txBox="1"/>
+          <p:nvPr/>
+        </p:nvSpPr>
+        <p:spPr>
+          <a:xfrm>
+            <a:off x="3380282" y="3605135"/>
+            <a:ext cx="3594254" cy="369332"/>
+          </a:xfrm>
+          <a:prstGeom prst="rect">
+            <a:avLst/>
+          </a:prstGeom>
+          <a:noFill/>
+        </p:spPr>
+        <p:txBody>
+          <a:bodyPr wrap="none" rtlCol="0">
+            <a:spAutoFit/>
+          </a:bodyPr>
+          <a:lstStyle/>
+          <a:p>
+            <a:r>
+              <a:rPr lang="ko-KR" altLang="en-US" dirty="0" smtClean="0"/>
+              <a:t>좋음 나쁨 색상 </a:t>
+            </a:r>
+            <a:r>
+              <a:rPr lang="ko-KR" altLang="en-US" smtClean="0"/>
+              <a:t>아이콘 색과 통일</a:t>
+            </a:r>
+            <a:endParaRPr lang="ko-KR" altLang="en-US"/>
+          </a:p>
+        </p:txBody>
+      </p:sp>
+      <p:pic>
+        <p:nvPicPr>
+          <p:cNvPr id="4" name="그림 3"/>
+          <p:cNvPicPr>
+            <a:picLocks noChangeAspect="1"/>
+          </p:cNvPicPr>
+          <p:nvPr/>
+        </p:nvPicPr>
+        <p:blipFill>
+          <a:blip r:embed="rId3"/>
+          <a:stretch>
+            <a:fillRect/>
+          </a:stretch>
+        </p:blipFill>
+        <p:spPr>
+          <a:xfrm>
+            <a:off x="8004464" y="1637271"/>
+            <a:ext cx="2943636" cy="1657581"/>
+          </a:xfrm>
+          <a:prstGeom prst="rect">
+            <a:avLst/>
+          </a:prstGeom>
+        </p:spPr>
+      </p:pic>
+    </p:spTree>
+    <p:extLst>
+      <p:ext uri="{BB962C8B-B14F-4D97-AF65-F5344CB8AC3E}">
+        <p14:creationId xmlns:p14="http://schemas.microsoft.com/office/powerpoint/2010/main" val="453370022"/>
+      </p:ext>
+    </p:extLst>
+  </p:cSld>
+  <p:clrMapOvr>
+    <a:masterClrMapping/>
+  </p:clrMapOvr>
+</p:sld>
+</file>
+
+<file path=ppt/slides/slide14.xml><?xml version="1.0" encoding="utf-8"?>
+<p:sld xmlns:a="http://schemas.openxmlformats.org/drawingml/2006/main" xmlns:r="http://schemas.openxmlformats.org/officeDocument/2006/relationships" xmlns:p="http://schemas.openxmlformats.org/presentationml/2006/main">
+  <p:cSld>
+    <p:spTree>
+      <p:nvGrpSpPr>
+        <p:cNvPr id="1" name=""/>
+        <p:cNvGrpSpPr/>
+        <p:nvPr/>
+      </p:nvGrpSpPr>
+      <p:grpSpPr>
+        <a:xfrm>
+          <a:off x="0" y="0"/>
+          <a:ext cx="0" cy="0"/>
+          <a:chOff x="0" y="0"/>
+          <a:chExt cx="0" cy="0"/>
+        </a:xfrm>
+      </p:grpSpPr>
+      <p:pic>
+        <p:nvPicPr>
+          <p:cNvPr id="2" name="그림 1"/>
+          <p:cNvPicPr>
+            <a:picLocks noChangeAspect="1"/>
+          </p:cNvPicPr>
+          <p:nvPr/>
+        </p:nvPicPr>
+        <p:blipFill>
+          <a:blip r:embed="rId2"/>
+          <a:stretch>
+            <a:fillRect/>
+          </a:stretch>
+        </p:blipFill>
+        <p:spPr>
+          <a:xfrm>
+            <a:off x="869995" y="682052"/>
+            <a:ext cx="2474011" cy="5486582"/>
+          </a:xfrm>
+          <a:prstGeom prst="rect">
+            <a:avLst/>
+          </a:prstGeom>
+        </p:spPr>
+      </p:pic>
+      <p:pic>
+        <p:nvPicPr>
+          <p:cNvPr id="3" name="그림 2"/>
+          <p:cNvPicPr>
+            <a:picLocks noChangeAspect="1"/>
+          </p:cNvPicPr>
+          <p:nvPr/>
+        </p:nvPicPr>
+        <p:blipFill>
+          <a:blip r:embed="rId3"/>
+          <a:stretch>
+            <a:fillRect/>
+          </a:stretch>
+        </p:blipFill>
+        <p:spPr>
+          <a:xfrm>
+            <a:off x="4099168" y="1528997"/>
+            <a:ext cx="7525606" cy="3253428"/>
+          </a:xfrm>
+          <a:prstGeom prst="rect">
+            <a:avLst/>
+          </a:prstGeom>
+        </p:spPr>
+      </p:pic>
+    </p:spTree>
+    <p:extLst>
+      <p:ext uri="{BB962C8B-B14F-4D97-AF65-F5344CB8AC3E}">
+        <p14:creationId xmlns:p14="http://schemas.microsoft.com/office/powerpoint/2010/main" val="3382041404"/>
+      </p:ext>
+    </p:extLst>
+  </p:cSld>
+  <p:clrMapOvr>
+    <a:masterClrMapping/>
+  </p:clrMapOvr>
+</p:sld>
+</file>
+
+<file path=ppt/slides/slide15.xml><?xml version="1.0" encoding="utf-8"?>
+<p:sld xmlns:a="http://schemas.openxmlformats.org/drawingml/2006/main" xmlns:r="http://schemas.openxmlformats.org/officeDocument/2006/relationships" xmlns:p="http://schemas.openxmlformats.org/presentationml/2006/main">
+  <p:cSld>
+    <p:spTree>
+      <p:nvGrpSpPr>
+        <p:cNvPr id="1" name=""/>
+        <p:cNvGrpSpPr/>
+        <p:nvPr/>
+      </p:nvGrpSpPr>
+      <p:grpSpPr>
+        <a:xfrm>
+          <a:off x="0" y="0"/>
+          <a:ext cx="0" cy="0"/>
+          <a:chOff x="0" y="0"/>
+          <a:chExt cx="0" cy="0"/>
+        </a:xfrm>
+      </p:grpSpPr>
+      <p:pic>
+        <p:nvPicPr>
+          <p:cNvPr id="2" name="그림 1"/>
+          <p:cNvPicPr>
+            <a:picLocks noChangeAspect="1"/>
+          </p:cNvPicPr>
+          <p:nvPr/>
+        </p:nvPicPr>
+        <p:blipFill>
+          <a:blip r:embed="rId2"/>
+          <a:stretch>
+            <a:fillRect/>
+          </a:stretch>
+        </p:blipFill>
+        <p:spPr>
+          <a:xfrm>
+            <a:off x="1807864" y="2556572"/>
+            <a:ext cx="4648849" cy="1619476"/>
+          </a:xfrm>
+          <a:prstGeom prst="rect">
+            <a:avLst/>
+          </a:prstGeom>
+        </p:spPr>
+      </p:pic>
+      <p:pic>
+        <p:nvPicPr>
+          <p:cNvPr id="3" name="그림 2"/>
+          <p:cNvPicPr>
+            <a:picLocks noChangeAspect="1"/>
+          </p:cNvPicPr>
+          <p:nvPr/>
+        </p:nvPicPr>
+        <p:blipFill>
+          <a:blip r:embed="rId3"/>
+          <a:stretch>
+            <a:fillRect/>
+          </a:stretch>
+        </p:blipFill>
+        <p:spPr>
+          <a:xfrm>
+            <a:off x="6853320" y="1173518"/>
+            <a:ext cx="3782201" cy="4010831"/>
+          </a:xfrm>
+          <a:prstGeom prst="rect">
+            <a:avLst/>
+          </a:prstGeom>
+        </p:spPr>
+      </p:pic>
+    </p:spTree>
+    <p:extLst>
+      <p:ext uri="{BB962C8B-B14F-4D97-AF65-F5344CB8AC3E}">
+        <p14:creationId xmlns:p14="http://schemas.microsoft.com/office/powerpoint/2010/main" val="2100235697"/>
+      </p:ext>
+    </p:extLst>
+  </p:cSld>
+  <p:clrMapOvr>
+    <a:masterClrMapping/>
+  </p:clrMapOvr>
+</p:sld>
+</file>
+
+<file path=ppt/slides/slide16.xml><?xml version="1.0" encoding="utf-8"?>
+<p:sld xmlns:a="http://schemas.openxmlformats.org/drawingml/2006/main" xmlns:r="http://schemas.openxmlformats.org/officeDocument/2006/relationships" xmlns:p="http://schemas.openxmlformats.org/presentationml/2006/main">
+  <p:cSld>
+    <p:spTree>
+      <p:nvGrpSpPr>
+        <p:cNvPr id="1" name=""/>
+        <p:cNvGrpSpPr/>
+        <p:nvPr/>
+      </p:nvGrpSpPr>
+      <p:grpSpPr>
+        <a:xfrm>
+          <a:off x="0" y="0"/>
+          <a:ext cx="0" cy="0"/>
+          <a:chOff x="0" y="0"/>
+          <a:chExt cx="0" cy="0"/>
+        </a:xfrm>
+      </p:grpSpPr>
+      <p:pic>
+        <p:nvPicPr>
+          <p:cNvPr id="2" name="그림 1"/>
+          <p:cNvPicPr>
+            <a:picLocks noChangeAspect="1"/>
+          </p:cNvPicPr>
+          <p:nvPr/>
+        </p:nvPicPr>
+        <p:blipFill>
+          <a:blip r:embed="rId2"/>
+          <a:stretch>
+            <a:fillRect/>
+          </a:stretch>
+        </p:blipFill>
+        <p:spPr>
+          <a:xfrm>
+            <a:off x="3623917" y="2952683"/>
+            <a:ext cx="4944165" cy="952633"/>
+          </a:xfrm>
+          <a:prstGeom prst="rect">
+            <a:avLst/>
+          </a:prstGeom>
+        </p:spPr>
+      </p:pic>
+    </p:spTree>
+    <p:extLst>
+      <p:ext uri="{BB962C8B-B14F-4D97-AF65-F5344CB8AC3E}">
+        <p14:creationId xmlns:p14="http://schemas.microsoft.com/office/powerpoint/2010/main" val="346521055"/>
+      </p:ext>
+    </p:extLst>
+  </p:cSld>
+  <p:clrMapOvr>
+    <a:masterClrMapping/>
+  </p:clrMapOvr>
+</p:sld>
+</file>
+
+<file path=ppt/slides/slide17.xml><?xml version="1.0" encoding="utf-8"?>
+<p:sld xmlns:a="http://schemas.openxmlformats.org/drawingml/2006/main" xmlns:r="http://schemas.openxmlformats.org/officeDocument/2006/relationships" xmlns:p="http://schemas.openxmlformats.org/presentationml/2006/main">
+  <p:cSld>
+    <p:spTree>
+      <p:nvGrpSpPr>
+        <p:cNvPr id="1" name=""/>
+        <p:cNvGrpSpPr/>
+        <p:nvPr/>
+      </p:nvGrpSpPr>
+      <p:grpSpPr>
+        <a:xfrm>
+          <a:off x="0" y="0"/>
+          <a:ext cx="0" cy="0"/>
+          <a:chOff x="0" y="0"/>
+          <a:chExt cx="0" cy="0"/>
+        </a:xfrm>
+      </p:grpSpPr>
+    </p:spTree>
+    <p:extLst>
+      <p:ext uri="{BB962C8B-B14F-4D97-AF65-F5344CB8AC3E}">
+        <p14:creationId xmlns:p14="http://schemas.microsoft.com/office/powerpoint/2010/main" val="656673298"/>
+      </p:ext>
+    </p:extLst>
+  </p:cSld>
+  <p:clrMapOvr>
+    <a:masterClrMapping/>
+  </p:clrMapOvr>
+</p:sld>
+</file>
+
+<file path=ppt/slides/slide18.xml><?xml version="1.0" encoding="utf-8"?>
+<p:sld xmlns:a="http://schemas.openxmlformats.org/drawingml/2006/main" xmlns:r="http://schemas.openxmlformats.org/officeDocument/2006/relationships" xmlns:p="http://schemas.openxmlformats.org/presentationml/2006/main">
+  <p:cSld>
+    <p:spTree>
+      <p:nvGrpSpPr>
+        <p:cNvPr id="1" name=""/>
+        <p:cNvGrpSpPr/>
+        <p:nvPr/>
+      </p:nvGrpSpPr>
+      <p:grpSpPr>
+        <a:xfrm>
+          <a:off x="0" y="0"/>
+          <a:ext cx="0" cy="0"/>
+          <a:chOff x="0" y="0"/>
+          <a:chExt cx="0" cy="0"/>
+        </a:xfrm>
+      </p:grpSpPr>
+    </p:spTree>
+    <p:extLst>
+      <p:ext uri="{BB962C8B-B14F-4D97-AF65-F5344CB8AC3E}">
+        <p14:creationId xmlns:p14="http://schemas.microsoft.com/office/powerpoint/2010/main" val="1398439417"/>
+      </p:ext>
+    </p:extLst>
+  </p:cSld>
+  <p:clrMapOvr>
+    <a:masterClrMapping/>
+  </p:clrMapOvr>
+</p:sld>
+</file>
+
 <file path=ppt/slides/slide2.xml><?xml version="1.0" encoding="utf-8"?>
 <p:sld xmlns:a="http://schemas.openxmlformats.org/drawingml/2006/main" xmlns:r="http://schemas.openxmlformats.org/officeDocument/2006/relationships" xmlns:p="http://schemas.openxmlformats.org/presentationml/2006/main">
   <p:cSld>
@@ -4124,6 +4817,503 @@
           <a:chExt cx="0" cy="0"/>
         </a:xfrm>
       </p:grpSpPr>
+      <p:sp>
+        <p:nvSpPr>
+          <p:cNvPr id="2" name="TextBox 1"/>
+          <p:cNvSpPr txBox="1"/>
+          <p:nvPr/>
+        </p:nvSpPr>
+        <p:spPr>
+          <a:xfrm>
+            <a:off x="434714" y="262328"/>
+            <a:ext cx="1207959" cy="369332"/>
+          </a:xfrm>
+          <a:prstGeom prst="rect">
+            <a:avLst/>
+          </a:prstGeom>
+          <a:noFill/>
+        </p:spPr>
+        <p:txBody>
+          <a:bodyPr wrap="none" rtlCol="0">
+            <a:spAutoFit/>
+          </a:bodyPr>
+          <a:lstStyle/>
+          <a:p>
+            <a:r>
+              <a:rPr lang="en-US" altLang="ko-KR" dirty="0"/>
+              <a:t>layer-vote</a:t>
+            </a:r>
+            <a:endParaRPr lang="ko-KR" altLang="en-US" dirty="0"/>
+          </a:p>
+        </p:txBody>
+      </p:sp>
+      <p:pic>
+        <p:nvPicPr>
+          <p:cNvPr id="3" name="그림 2"/>
+          <p:cNvPicPr>
+            <a:picLocks noChangeAspect="1"/>
+          </p:cNvPicPr>
+          <p:nvPr/>
+        </p:nvPicPr>
+        <p:blipFill>
+          <a:blip r:embed="rId2"/>
+          <a:stretch>
+            <a:fillRect/>
+          </a:stretch>
+        </p:blipFill>
+        <p:spPr>
+          <a:xfrm>
+            <a:off x="434714" y="1714302"/>
+            <a:ext cx="3232137" cy="3928403"/>
+          </a:xfrm>
+          <a:prstGeom prst="rect">
+            <a:avLst/>
+          </a:prstGeom>
+        </p:spPr>
+      </p:pic>
+      <p:pic>
+        <p:nvPicPr>
+          <p:cNvPr id="4" name="그림 3"/>
+          <p:cNvPicPr>
+            <a:picLocks noChangeAspect="1"/>
+          </p:cNvPicPr>
+          <p:nvPr/>
+        </p:nvPicPr>
+        <p:blipFill>
+          <a:blip r:embed="rId3"/>
+          <a:stretch>
+            <a:fillRect/>
+          </a:stretch>
+        </p:blipFill>
+        <p:spPr>
+          <a:xfrm>
+            <a:off x="434714" y="977691"/>
+            <a:ext cx="4410691" cy="390580"/>
+          </a:xfrm>
+          <a:prstGeom prst="rect">
+            <a:avLst/>
+          </a:prstGeom>
+        </p:spPr>
+      </p:pic>
+      <p:pic>
+        <p:nvPicPr>
+          <p:cNvPr id="6" name="그림 5"/>
+          <p:cNvPicPr>
+            <a:picLocks noChangeAspect="1"/>
+          </p:cNvPicPr>
+          <p:nvPr/>
+        </p:nvPicPr>
+        <p:blipFill>
+          <a:blip r:embed="rId4"/>
+          <a:stretch>
+            <a:fillRect/>
+          </a:stretch>
+        </p:blipFill>
+        <p:spPr>
+          <a:xfrm>
+            <a:off x="6332721" y="987218"/>
+            <a:ext cx="4458322" cy="381053"/>
+          </a:xfrm>
+          <a:prstGeom prst="rect">
+            <a:avLst/>
+          </a:prstGeom>
+        </p:spPr>
+      </p:pic>
+      <p:pic>
+        <p:nvPicPr>
+          <p:cNvPr id="8" name="그림 7"/>
+          <p:cNvPicPr>
+            <a:picLocks noChangeAspect="1"/>
+          </p:cNvPicPr>
+          <p:nvPr/>
+        </p:nvPicPr>
+        <p:blipFill>
+          <a:blip r:embed="rId5"/>
+          <a:stretch>
+            <a:fillRect/>
+          </a:stretch>
+        </p:blipFill>
+        <p:spPr>
+          <a:xfrm>
+            <a:off x="6475616" y="1638963"/>
+            <a:ext cx="4172532" cy="3924848"/>
+          </a:xfrm>
+          <a:prstGeom prst="rect">
+            <a:avLst/>
+          </a:prstGeom>
+        </p:spPr>
+      </p:pic>
+      <p:sp>
+        <p:nvSpPr>
+          <p:cNvPr id="13" name="TextBox 12"/>
+          <p:cNvSpPr txBox="1"/>
+          <p:nvPr/>
+        </p:nvSpPr>
+        <p:spPr>
+          <a:xfrm>
+            <a:off x="6573186" y="262328"/>
+            <a:ext cx="1821332" cy="369332"/>
+          </a:xfrm>
+          <a:prstGeom prst="rect">
+            <a:avLst/>
+          </a:prstGeom>
+          <a:noFill/>
+        </p:spPr>
+        <p:txBody>
+          <a:bodyPr wrap="none" rtlCol="0">
+            <a:spAutoFit/>
+          </a:bodyPr>
+          <a:lstStyle/>
+          <a:p>
+            <a:r>
+              <a:rPr lang="en-US" altLang="ko-KR" dirty="0"/>
+              <a:t>UI-SJN-32-100L</a:t>
+            </a:r>
+            <a:endParaRPr lang="ko-KR" altLang="en-US" dirty="0"/>
+          </a:p>
+        </p:txBody>
+      </p:sp>
+      <p:pic>
+        <p:nvPicPr>
+          <p:cNvPr id="10" name="그림 9"/>
+          <p:cNvPicPr>
+            <a:picLocks noChangeAspect="1"/>
+          </p:cNvPicPr>
+          <p:nvPr/>
+        </p:nvPicPr>
+        <p:blipFill>
+          <a:blip r:embed="rId6"/>
+          <a:stretch>
+            <a:fillRect/>
+          </a:stretch>
+        </p:blipFill>
+        <p:spPr>
+          <a:xfrm>
+            <a:off x="5732703" y="5959471"/>
+            <a:ext cx="5868219" cy="800212"/>
+          </a:xfrm>
+          <a:prstGeom prst="rect">
+            <a:avLst/>
+          </a:prstGeom>
+        </p:spPr>
+      </p:pic>
+      <p:sp>
+        <p:nvSpPr>
+          <p:cNvPr id="14" name="TextBox 13"/>
+          <p:cNvSpPr txBox="1"/>
+          <p:nvPr/>
+        </p:nvSpPr>
+        <p:spPr>
+          <a:xfrm>
+            <a:off x="3325812" y="6174911"/>
+            <a:ext cx="2204450" cy="369332"/>
+          </a:xfrm>
+          <a:prstGeom prst="rect">
+            <a:avLst/>
+          </a:prstGeom>
+          <a:noFill/>
+        </p:spPr>
+        <p:txBody>
+          <a:bodyPr wrap="none" rtlCol="0">
+            <a:spAutoFit/>
+          </a:bodyPr>
+          <a:lstStyle/>
+          <a:p>
+            <a:r>
+              <a:rPr lang="en-US" altLang="ko-KR" dirty="0"/>
+              <a:t>common_mapicons</a:t>
+            </a:r>
+            <a:endParaRPr lang="ko-KR" altLang="en-US" dirty="0"/>
+          </a:p>
+        </p:txBody>
+      </p:sp>
+    </p:spTree>
+    <p:extLst>
+      <p:ext uri="{BB962C8B-B14F-4D97-AF65-F5344CB8AC3E}">
+        <p14:creationId xmlns:p14="http://schemas.microsoft.com/office/powerpoint/2010/main" val="2320323035"/>
+      </p:ext>
+    </p:extLst>
+  </p:cSld>
+  <p:clrMapOvr>
+    <a:masterClrMapping/>
+  </p:clrMapOvr>
+</p:sld>
+</file>
+
+<file path=ppt/slides/slide8.xml><?xml version="1.0" encoding="utf-8"?>
+<p:sld xmlns:a="http://schemas.openxmlformats.org/drawingml/2006/main" xmlns:r="http://schemas.openxmlformats.org/officeDocument/2006/relationships" xmlns:p="http://schemas.openxmlformats.org/presentationml/2006/main">
+  <p:cSld>
+    <p:spTree>
+      <p:nvGrpSpPr>
+        <p:cNvPr id="1" name=""/>
+        <p:cNvGrpSpPr/>
+        <p:nvPr/>
+      </p:nvGrpSpPr>
+      <p:grpSpPr>
+        <a:xfrm>
+          <a:off x="0" y="0"/>
+          <a:ext cx="0" cy="0"/>
+          <a:chOff x="0" y="0"/>
+          <a:chExt cx="0" cy="0"/>
+        </a:xfrm>
+      </p:grpSpPr>
+      <p:pic>
+        <p:nvPicPr>
+          <p:cNvPr id="2" name="그림 1"/>
+          <p:cNvPicPr>
+            <a:picLocks noChangeAspect="1"/>
+          </p:cNvPicPr>
+          <p:nvPr/>
+        </p:nvPicPr>
+        <p:blipFill>
+          <a:blip r:embed="rId2"/>
+          <a:stretch>
+            <a:fillRect/>
+          </a:stretch>
+        </p:blipFill>
+        <p:spPr>
+          <a:xfrm>
+            <a:off x="874829" y="2081718"/>
+            <a:ext cx="4296375" cy="1705213"/>
+          </a:xfrm>
+          <a:prstGeom prst="rect">
+            <a:avLst/>
+          </a:prstGeom>
+        </p:spPr>
+      </p:pic>
+      <p:pic>
+        <p:nvPicPr>
+          <p:cNvPr id="3" name="그림 2"/>
+          <p:cNvPicPr>
+            <a:picLocks noChangeAspect="1"/>
+          </p:cNvPicPr>
+          <p:nvPr/>
+        </p:nvPicPr>
+        <p:blipFill>
+          <a:blip r:embed="rId3"/>
+          <a:stretch>
+            <a:fillRect/>
+          </a:stretch>
+        </p:blipFill>
+        <p:spPr>
+          <a:xfrm>
+            <a:off x="6086296" y="1686516"/>
+            <a:ext cx="4801270" cy="2705478"/>
+          </a:xfrm>
+          <a:prstGeom prst="rect">
+            <a:avLst/>
+          </a:prstGeom>
+        </p:spPr>
+      </p:pic>
+      <p:pic>
+        <p:nvPicPr>
+          <p:cNvPr id="4" name="그림 3"/>
+          <p:cNvPicPr>
+            <a:picLocks noChangeAspect="1"/>
+          </p:cNvPicPr>
+          <p:nvPr/>
+        </p:nvPicPr>
+        <p:blipFill>
+          <a:blip r:embed="rId4"/>
+          <a:stretch>
+            <a:fillRect/>
+          </a:stretch>
+        </p:blipFill>
+        <p:spPr>
+          <a:xfrm>
+            <a:off x="1698233" y="4553063"/>
+            <a:ext cx="3743847" cy="1724266"/>
+          </a:xfrm>
+          <a:prstGeom prst="rect">
+            <a:avLst/>
+          </a:prstGeom>
+        </p:spPr>
+      </p:pic>
+      <p:sp>
+        <p:nvSpPr>
+          <p:cNvPr id="5" name="TextBox 4"/>
+          <p:cNvSpPr txBox="1"/>
+          <p:nvPr/>
+        </p:nvSpPr>
+        <p:spPr>
+          <a:xfrm>
+            <a:off x="3844127" y="4287188"/>
+            <a:ext cx="1189749" cy="369332"/>
+          </a:xfrm>
+          <a:prstGeom prst="rect">
+            <a:avLst/>
+          </a:prstGeom>
+          <a:noFill/>
+        </p:spPr>
+        <p:txBody>
+          <a:bodyPr wrap="none" rtlCol="0">
+            <a:spAutoFit/>
+          </a:bodyPr>
+          <a:lstStyle/>
+          <a:p>
+            <a:r>
+              <a:rPr lang="ko-KR" altLang="en-US" dirty="0" smtClean="0"/>
+              <a:t>오늘 필요</a:t>
+            </a:r>
+            <a:endParaRPr lang="ko-KR" altLang="en-US" dirty="0"/>
+          </a:p>
+        </p:txBody>
+      </p:sp>
+    </p:spTree>
+    <p:extLst>
+      <p:ext uri="{BB962C8B-B14F-4D97-AF65-F5344CB8AC3E}">
+        <p14:creationId xmlns:p14="http://schemas.microsoft.com/office/powerpoint/2010/main" val="2645815003"/>
+      </p:ext>
+    </p:extLst>
+  </p:cSld>
+  <p:clrMapOvr>
+    <a:masterClrMapping/>
+  </p:clrMapOvr>
+</p:sld>
+</file>
+
+<file path=ppt/slides/slide9.xml><?xml version="1.0" encoding="utf-8"?>
+<p:sld xmlns:a="http://schemas.openxmlformats.org/drawingml/2006/main" xmlns:r="http://schemas.openxmlformats.org/officeDocument/2006/relationships" xmlns:p="http://schemas.openxmlformats.org/presentationml/2006/main">
+  <p:cSld>
+    <p:spTree>
+      <p:nvGrpSpPr>
+        <p:cNvPr id="1" name=""/>
+        <p:cNvGrpSpPr/>
+        <p:nvPr/>
+      </p:nvGrpSpPr>
+      <p:grpSpPr>
+        <a:xfrm>
+          <a:off x="0" y="0"/>
+          <a:ext cx="0" cy="0"/>
+          <a:chOff x="0" y="0"/>
+          <a:chExt cx="0" cy="0"/>
+        </a:xfrm>
+      </p:grpSpPr>
+      <p:pic>
+        <p:nvPicPr>
+          <p:cNvPr id="2" name="그림 1"/>
+          <p:cNvPicPr>
+            <a:picLocks noChangeAspect="1"/>
+          </p:cNvPicPr>
+          <p:nvPr/>
+        </p:nvPicPr>
+        <p:blipFill>
+          <a:blip r:embed="rId2"/>
+          <a:stretch>
+            <a:fillRect/>
+          </a:stretch>
+        </p:blipFill>
+        <p:spPr>
+          <a:xfrm>
+            <a:off x="1045608" y="1463907"/>
+            <a:ext cx="4944165" cy="3000794"/>
+          </a:xfrm>
+          <a:prstGeom prst="rect">
+            <a:avLst/>
+          </a:prstGeom>
+        </p:spPr>
+      </p:pic>
+      <p:cxnSp>
+        <p:nvCxnSpPr>
+          <p:cNvPr id="4" name="직선 화살표 연결선 3"/>
+          <p:cNvCxnSpPr/>
+          <p:nvPr/>
+        </p:nvCxnSpPr>
+        <p:spPr>
+          <a:xfrm flipH="1">
+            <a:off x="5029200" y="2158584"/>
+            <a:ext cx="1806314" cy="0"/>
+          </a:xfrm>
+          <a:prstGeom prst="straightConnector1">
+            <a:avLst/>
+          </a:prstGeom>
+          <a:ln>
+            <a:tailEnd type="triangle"/>
+          </a:ln>
+        </p:spPr>
+        <p:style>
+          <a:lnRef idx="1">
+            <a:schemeClr val="accent1"/>
+          </a:lnRef>
+          <a:fillRef idx="0">
+            <a:schemeClr val="accent1"/>
+          </a:fillRef>
+          <a:effectRef idx="0">
+            <a:schemeClr val="accent1"/>
+          </a:effectRef>
+          <a:fontRef idx="minor">
+            <a:schemeClr val="tx1"/>
+          </a:fontRef>
+        </p:style>
+      </p:cxnSp>
+      <p:sp>
+        <p:nvSpPr>
+          <p:cNvPr id="5" name="TextBox 4"/>
+          <p:cNvSpPr txBox="1"/>
+          <p:nvPr/>
+        </p:nvSpPr>
+        <p:spPr>
+          <a:xfrm>
+            <a:off x="7202774" y="1948721"/>
+            <a:ext cx="2327881" cy="369332"/>
+          </a:xfrm>
+          <a:prstGeom prst="rect">
+            <a:avLst/>
+          </a:prstGeom>
+          <a:noFill/>
+        </p:spPr>
+        <p:txBody>
+          <a:bodyPr wrap="none" rtlCol="0">
+            <a:spAutoFit/>
+          </a:bodyPr>
+          <a:lstStyle/>
+          <a:p>
+            <a:r>
+              <a:rPr lang="ko-KR" altLang="en-US" dirty="0" smtClean="0"/>
+              <a:t>두께 제거</a:t>
+            </a:r>
+            <a:r>
+              <a:rPr lang="en-US" altLang="ko-KR" dirty="0" smtClean="0"/>
+              <a:t>, </a:t>
+            </a:r>
+            <a:r>
+              <a:rPr lang="ko-KR" altLang="en-US" dirty="0" smtClean="0"/>
+              <a:t>글자 작게</a:t>
+            </a:r>
+            <a:endParaRPr lang="ko-KR" altLang="en-US" dirty="0"/>
+          </a:p>
+        </p:txBody>
+      </p:sp>
+      <p:sp>
+        <p:nvSpPr>
+          <p:cNvPr id="6" name="TextBox 5"/>
+          <p:cNvSpPr txBox="1"/>
+          <p:nvPr/>
+        </p:nvSpPr>
+        <p:spPr>
+          <a:xfrm>
+            <a:off x="4268392" y="2853262"/>
+            <a:ext cx="1420582" cy="369332"/>
+          </a:xfrm>
+          <a:prstGeom prst="rect">
+            <a:avLst/>
+          </a:prstGeom>
+          <a:noFill/>
+        </p:spPr>
+        <p:txBody>
+          <a:bodyPr wrap="none" rtlCol="0">
+            <a:spAutoFit/>
+          </a:bodyPr>
+          <a:lstStyle/>
+          <a:p>
+            <a:r>
+              <a:rPr lang="ko-KR" altLang="en-US" dirty="0" smtClean="0"/>
+              <a:t>오른쪽 붙여</a:t>
+            </a:r>
+            <a:endParaRPr lang="ko-KR" altLang="en-US" dirty="0"/>
+          </a:p>
+        </p:txBody>
+      </p:sp>
     </p:spTree>
     <p:extLst>
       <p:ext uri="{BB962C8B-B14F-4D97-AF65-F5344CB8AC3E}">

--- a/ppt/04-03.pptx
+++ b/ppt/04-03.pptx
@@ -17,12 +17,9 @@
     <p:sldId id="264" r:id="rId11"/>
     <p:sldId id="265" r:id="rId12"/>
     <p:sldId id="266" r:id="rId13"/>
-    <p:sldId id="268" r:id="rId14"/>
-    <p:sldId id="273" r:id="rId15"/>
-    <p:sldId id="269" r:id="rId16"/>
-    <p:sldId id="270" r:id="rId17"/>
-    <p:sldId id="271" r:id="rId18"/>
-    <p:sldId id="272" r:id="rId19"/>
+    <p:sldId id="273" r:id="rId14"/>
+    <p:sldId id="269" r:id="rId15"/>
+    <p:sldId id="270" r:id="rId16"/>
   </p:sldIdLst>
   <p:sldSz cx="12192000" cy="6858000"/>
   <p:notesSz cx="6858000" cy="9144000"/>
@@ -3147,10 +3144,18 @@
           <a:lstStyle/>
           <a:p>
             <a:r>
-              <a:rPr lang="ko-KR" altLang="en-US" dirty="0" smtClean="0"/>
+              <a:rPr lang="ko-KR" altLang="en-US" dirty="0" smtClean="0">
+                <a:solidFill>
+                  <a:srgbClr val="FF0000"/>
+                </a:solidFill>
+              </a:rPr>
               <a:t>디자인 필요</a:t>
             </a:r>
-            <a:endParaRPr lang="ko-KR" altLang="en-US" dirty="0"/>
+            <a:endParaRPr lang="ko-KR" altLang="en-US" dirty="0">
+              <a:solidFill>
+                <a:srgbClr val="FF0000"/>
+              </a:solidFill>
+            </a:endParaRPr>
           </a:p>
         </p:txBody>
       </p:sp>
@@ -3178,6 +3183,53 @@
           </a:prstGeom>
         </p:spPr>
       </p:pic>
+      <p:sp>
+        <p:nvSpPr>
+          <p:cNvPr id="5" name="직사각형 4"/>
+          <p:cNvSpPr/>
+          <p:nvPr/>
+        </p:nvSpPr>
+        <p:spPr>
+          <a:xfrm>
+            <a:off x="4774368" y="1671606"/>
+            <a:ext cx="6071016" cy="3979888"/>
+          </a:xfrm>
+          <a:prstGeom prst="rect">
+            <a:avLst/>
+          </a:prstGeom>
+          <a:solidFill>
+            <a:srgbClr val="00B050"/>
+          </a:solidFill>
+        </p:spPr>
+        <p:style>
+          <a:lnRef idx="2">
+            <a:schemeClr val="accent1">
+              <a:shade val="50000"/>
+            </a:schemeClr>
+          </a:lnRef>
+          <a:fillRef idx="1">
+            <a:schemeClr val="accent1"/>
+          </a:fillRef>
+          <a:effectRef idx="0">
+            <a:schemeClr val="accent1"/>
+          </a:effectRef>
+          <a:fontRef idx="minor">
+            <a:schemeClr val="lt1"/>
+          </a:fontRef>
+        </p:style>
+        <p:txBody>
+          <a:bodyPr rtlCol="0" anchor="ctr"/>
+          <a:lstStyle/>
+          <a:p>
+            <a:pPr algn="ctr"/>
+            <a:r>
+              <a:rPr lang="ko-KR" altLang="en-US" smtClean="0"/>
+              <a:t>디자인 필요</a:t>
+            </a:r>
+            <a:endParaRPr lang="ko-KR" altLang="en-US" dirty="0"/>
+          </a:p>
+        </p:txBody>
+      </p:sp>
     </p:spTree>
     <p:extLst>
       <p:ext uri="{BB962C8B-B14F-4D97-AF65-F5344CB8AC3E}">
@@ -3224,7 +3276,7 @@
         </p:blipFill>
         <p:spPr>
           <a:xfrm>
-            <a:off x="4052602" y="995023"/>
+            <a:off x="434714" y="1002517"/>
             <a:ext cx="4086795" cy="4867954"/>
           </a:xfrm>
           <a:prstGeom prst="rect">
@@ -3232,6 +3284,171 @@
           </a:prstGeom>
         </p:spPr>
       </p:pic>
+      <p:pic>
+        <p:nvPicPr>
+          <p:cNvPr id="3" name="그림 2"/>
+          <p:cNvPicPr>
+            <a:picLocks noChangeAspect="1"/>
+          </p:cNvPicPr>
+          <p:nvPr/>
+        </p:nvPicPr>
+        <p:blipFill>
+          <a:blip r:embed="rId3"/>
+          <a:stretch>
+            <a:fillRect/>
+          </a:stretch>
+        </p:blipFill>
+        <p:spPr>
+          <a:xfrm>
+            <a:off x="5860737" y="826279"/>
+            <a:ext cx="3753374" cy="5220429"/>
+          </a:xfrm>
+          <a:prstGeom prst="rect">
+            <a:avLst/>
+          </a:prstGeom>
+        </p:spPr>
+      </p:pic>
+      <p:sp>
+        <p:nvSpPr>
+          <p:cNvPr id="4" name="TextBox 3"/>
+          <p:cNvSpPr txBox="1"/>
+          <p:nvPr/>
+        </p:nvSpPr>
+        <p:spPr>
+          <a:xfrm>
+            <a:off x="434714" y="262328"/>
+            <a:ext cx="1872629" cy="369332"/>
+          </a:xfrm>
+          <a:prstGeom prst="rect">
+            <a:avLst/>
+          </a:prstGeom>
+          <a:noFill/>
+        </p:spPr>
+        <p:txBody>
+          <a:bodyPr wrap="none" rtlCol="0">
+            <a:spAutoFit/>
+          </a:bodyPr>
+          <a:lstStyle/>
+          <a:p>
+            <a:r>
+              <a:rPr lang="en-US" altLang="ko-KR" dirty="0"/>
+              <a:t>UI-SJN-07-001P</a:t>
+            </a:r>
+            <a:endParaRPr lang="ko-KR" altLang="en-US" dirty="0"/>
+          </a:p>
+        </p:txBody>
+      </p:sp>
+      <p:cxnSp>
+        <p:nvCxnSpPr>
+          <p:cNvPr id="6" name="직선 화살표 연결선 5"/>
+          <p:cNvCxnSpPr/>
+          <p:nvPr/>
+        </p:nvCxnSpPr>
+        <p:spPr>
+          <a:xfrm>
+            <a:off x="4699416" y="3365292"/>
+            <a:ext cx="794479" cy="0"/>
+          </a:xfrm>
+          <a:prstGeom prst="straightConnector1">
+            <a:avLst/>
+          </a:prstGeom>
+          <a:ln>
+            <a:tailEnd type="triangle"/>
+          </a:ln>
+        </p:spPr>
+        <p:style>
+          <a:lnRef idx="1">
+            <a:schemeClr val="accent1"/>
+          </a:lnRef>
+          <a:fillRef idx="0">
+            <a:schemeClr val="accent1"/>
+          </a:fillRef>
+          <a:effectRef idx="0">
+            <a:schemeClr val="accent1"/>
+          </a:effectRef>
+          <a:fontRef idx="minor">
+            <a:schemeClr val="tx1"/>
+          </a:fontRef>
+        </p:style>
+      </p:cxnSp>
+      <p:sp>
+        <p:nvSpPr>
+          <p:cNvPr id="7" name="TextBox 6"/>
+          <p:cNvSpPr txBox="1"/>
+          <p:nvPr/>
+        </p:nvSpPr>
+        <p:spPr>
+          <a:xfrm>
+            <a:off x="6446256" y="6114157"/>
+            <a:ext cx="3167855" cy="307777"/>
+          </a:xfrm>
+          <a:prstGeom prst="rect">
+            <a:avLst/>
+          </a:prstGeom>
+          <a:noFill/>
+        </p:spPr>
+        <p:txBody>
+          <a:bodyPr wrap="none" rtlCol="0">
+            <a:spAutoFit/>
+          </a:bodyPr>
+          <a:lstStyle/>
+          <a:p>
+            <a:r>
+              <a:rPr lang="ko-KR" altLang="en-US" sz="1400" dirty="0" smtClean="0"/>
+              <a:t>개발 서버 데이터로 정렬 맞췄습니다</a:t>
+            </a:r>
+            <a:r>
+              <a:rPr lang="en-US" altLang="ko-KR" sz="1400" dirty="0" smtClean="0"/>
+              <a:t>.</a:t>
+            </a:r>
+            <a:endParaRPr lang="ko-KR" altLang="en-US" sz="1400" dirty="0"/>
+          </a:p>
+        </p:txBody>
+      </p:sp>
+      <p:sp>
+        <p:nvSpPr>
+          <p:cNvPr id="8" name="직사각형 7"/>
+          <p:cNvSpPr/>
+          <p:nvPr/>
+        </p:nvSpPr>
+        <p:spPr>
+          <a:xfrm>
+            <a:off x="0" y="6475751"/>
+            <a:ext cx="12192000" cy="382249"/>
+          </a:xfrm>
+          <a:prstGeom prst="rect">
+            <a:avLst/>
+          </a:prstGeom>
+        </p:spPr>
+        <p:style>
+          <a:lnRef idx="2">
+            <a:schemeClr val="accent1">
+              <a:shade val="50000"/>
+            </a:schemeClr>
+          </a:lnRef>
+          <a:fillRef idx="1">
+            <a:schemeClr val="accent1"/>
+          </a:fillRef>
+          <a:effectRef idx="0">
+            <a:schemeClr val="accent1"/>
+          </a:effectRef>
+          <a:fontRef idx="minor">
+            <a:schemeClr val="lt1"/>
+          </a:fontRef>
+        </p:style>
+        <p:txBody>
+          <a:bodyPr rtlCol="0" anchor="ctr"/>
+          <a:lstStyle/>
+          <a:p>
+            <a:pPr algn="ctr"/>
+            <a:r>
+              <a:rPr lang="ko-KR" altLang="en-US" dirty="0" smtClean="0"/>
+              <a:t>아래에 계속</a:t>
+            </a:r>
+            <a:endParaRPr lang="ko-KR" altLang="en-US" dirty="0"/>
+          </a:p>
+        </p:txBody>
+      </p:sp>
     </p:spTree>
     <p:extLst>
       <p:ext uri="{BB962C8B-B14F-4D97-AF65-F5344CB8AC3E}">
@@ -3262,9 +3479,39 @@
           <a:chExt cx="0" cy="0"/>
         </a:xfrm>
       </p:grpSpPr>
+      <p:sp>
+        <p:nvSpPr>
+          <p:cNvPr id="3" name="TextBox 2"/>
+          <p:cNvSpPr txBox="1"/>
+          <p:nvPr/>
+        </p:nvSpPr>
+        <p:spPr>
+          <a:xfrm>
+            <a:off x="5463915" y="1469036"/>
+            <a:ext cx="1745991" cy="307777"/>
+          </a:xfrm>
+          <a:prstGeom prst="rect">
+            <a:avLst/>
+          </a:prstGeom>
+          <a:noFill/>
+        </p:spPr>
+        <p:txBody>
+          <a:bodyPr wrap="none" rtlCol="0">
+            <a:spAutoFit/>
+          </a:bodyPr>
+          <a:lstStyle/>
+          <a:p>
+            <a:r>
+              <a:rPr lang="ko-KR" altLang="en-US" sz="1400" dirty="0" smtClean="0"/>
+              <a:t>데이터 없음 아이콘</a:t>
+            </a:r>
+            <a:endParaRPr lang="ko-KR" altLang="en-US" sz="1400" dirty="0"/>
+          </a:p>
+        </p:txBody>
+      </p:sp>
       <p:pic>
         <p:nvPicPr>
-          <p:cNvPr id="2" name="그림 1"/>
+          <p:cNvPr id="6" name="그림 5"/>
           <p:cNvPicPr>
             <a:picLocks noChangeAspect="1"/>
           </p:cNvPicPr>
@@ -3278,47 +3525,17 @@
         </p:blipFill>
         <p:spPr>
           <a:xfrm>
-            <a:off x="1871603" y="2120609"/>
-            <a:ext cx="4191585" cy="3801005"/>
+            <a:off x="1051554" y="1308666"/>
+            <a:ext cx="3658111" cy="2638793"/>
           </a:xfrm>
           <a:prstGeom prst="rect">
             <a:avLst/>
           </a:prstGeom>
         </p:spPr>
       </p:pic>
-      <p:sp>
-        <p:nvSpPr>
-          <p:cNvPr id="3" name="TextBox 2"/>
-          <p:cNvSpPr txBox="1"/>
-          <p:nvPr/>
-        </p:nvSpPr>
-        <p:spPr>
-          <a:xfrm>
-            <a:off x="6813030" y="2443397"/>
-            <a:ext cx="2194832" cy="369332"/>
-          </a:xfrm>
-          <a:prstGeom prst="rect">
-            <a:avLst/>
-          </a:prstGeom>
-          <a:noFill/>
-        </p:spPr>
-        <p:txBody>
-          <a:bodyPr wrap="none" rtlCol="0">
-            <a:spAutoFit/>
-          </a:bodyPr>
-          <a:lstStyle/>
-          <a:p>
-            <a:r>
-              <a:rPr lang="ko-KR" altLang="en-US" dirty="0" smtClean="0"/>
-              <a:t>데이터 없음 아이콘</a:t>
-            </a:r>
-            <a:endParaRPr lang="ko-KR" altLang="en-US" dirty="0"/>
-          </a:p>
-        </p:txBody>
-      </p:sp>
       <p:pic>
         <p:nvPicPr>
-          <p:cNvPr id="4" name="그림 3"/>
+          <p:cNvPr id="7" name="그림 6"/>
           <p:cNvPicPr>
             <a:picLocks noChangeAspect="1"/>
           </p:cNvPicPr>
@@ -3332,44 +3549,116 @@
         </p:blipFill>
         <p:spPr>
           <a:xfrm>
-            <a:off x="7218315" y="3651135"/>
-            <a:ext cx="2162477" cy="2029108"/>
+            <a:off x="5519259" y="2001013"/>
+            <a:ext cx="4601217" cy="247685"/>
           </a:xfrm>
           <a:prstGeom prst="rect">
             <a:avLst/>
           </a:prstGeom>
         </p:spPr>
       </p:pic>
-      <p:sp>
-        <p:nvSpPr>
-          <p:cNvPr id="5" name="TextBox 4"/>
-          <p:cNvSpPr txBox="1"/>
-          <p:nvPr/>
-        </p:nvSpPr>
-        <p:spPr>
-          <a:xfrm>
-            <a:off x="9641174" y="4814342"/>
-            <a:ext cx="646331" cy="369332"/>
-          </a:xfrm>
-          <a:prstGeom prst="rect">
-            <a:avLst/>
-          </a:prstGeom>
-          <a:noFill/>
-        </p:spPr>
-        <p:txBody>
-          <a:bodyPr wrap="none" rtlCol="0">
-            <a:spAutoFit/>
-          </a:bodyPr>
-          <a:lstStyle/>
-          <a:p>
-            <a:r>
-              <a:rPr lang="ko-KR" altLang="en-US" dirty="0" smtClean="0"/>
-              <a:t>회색</a:t>
-            </a:r>
-            <a:endParaRPr lang="ko-KR" altLang="en-US" dirty="0"/>
-          </a:p>
-        </p:txBody>
-      </p:sp>
+      <p:cxnSp>
+        <p:nvCxnSpPr>
+          <p:cNvPr id="9" name="직선 연결선 8"/>
+          <p:cNvCxnSpPr/>
+          <p:nvPr/>
+        </p:nvCxnSpPr>
+        <p:spPr>
+          <a:xfrm>
+            <a:off x="7989757" y="2218546"/>
+            <a:ext cx="644577" cy="0"/>
+          </a:xfrm>
+          <a:prstGeom prst="line">
+            <a:avLst/>
+          </a:prstGeom>
+        </p:spPr>
+        <p:style>
+          <a:lnRef idx="3">
+            <a:schemeClr val="accent2"/>
+          </a:lnRef>
+          <a:fillRef idx="0">
+            <a:schemeClr val="accent2"/>
+          </a:fillRef>
+          <a:effectRef idx="2">
+            <a:schemeClr val="accent2"/>
+          </a:effectRef>
+          <a:fontRef idx="minor">
+            <a:schemeClr val="tx1"/>
+          </a:fontRef>
+        </p:style>
+      </p:cxnSp>
+      <p:pic>
+        <p:nvPicPr>
+          <p:cNvPr id="10" name="그림 9"/>
+          <p:cNvPicPr>
+            <a:picLocks noChangeAspect="1"/>
+          </p:cNvPicPr>
+          <p:nvPr/>
+        </p:nvPicPr>
+        <p:blipFill>
+          <a:blip r:embed="rId4"/>
+          <a:stretch>
+            <a:fillRect/>
+          </a:stretch>
+        </p:blipFill>
+        <p:spPr>
+          <a:xfrm>
+            <a:off x="5533272" y="3825962"/>
+            <a:ext cx="1676634" cy="600159"/>
+          </a:xfrm>
+          <a:prstGeom prst="rect">
+            <a:avLst/>
+          </a:prstGeom>
+        </p:spPr>
+      </p:pic>
+      <p:pic>
+        <p:nvPicPr>
+          <p:cNvPr id="11" name="그림 10"/>
+          <p:cNvPicPr>
+            <a:picLocks noChangeAspect="1"/>
+          </p:cNvPicPr>
+          <p:nvPr/>
+        </p:nvPicPr>
+        <p:blipFill>
+          <a:blip r:embed="rId5"/>
+          <a:stretch>
+            <a:fillRect/>
+          </a:stretch>
+        </p:blipFill>
+        <p:spPr>
+          <a:xfrm>
+            <a:off x="7382782" y="3825961"/>
+            <a:ext cx="1533739" cy="600159"/>
+          </a:xfrm>
+          <a:prstGeom prst="rect">
+            <a:avLst/>
+          </a:prstGeom>
+        </p:spPr>
+      </p:pic>
+      <p:pic>
+        <p:nvPicPr>
+          <p:cNvPr id="12" name="그림 11"/>
+          <p:cNvPicPr>
+            <a:picLocks noChangeAspect="1"/>
+          </p:cNvPicPr>
+          <p:nvPr/>
+        </p:nvPicPr>
+        <p:blipFill>
+          <a:blip r:embed="rId6"/>
+          <a:stretch>
+            <a:fillRect/>
+          </a:stretch>
+        </p:blipFill>
+        <p:spPr>
+          <a:xfrm>
+            <a:off x="5691858" y="4769084"/>
+            <a:ext cx="3381847" cy="752580"/>
+          </a:xfrm>
+          <a:prstGeom prst="rect">
+            <a:avLst/>
+          </a:prstGeom>
+        </p:spPr>
+      </p:pic>
     </p:spTree>
     <p:extLst>
       <p:ext uri="{BB962C8B-B14F-4D97-AF65-F5344CB8AC3E}">
@@ -3402,7 +3691,7 @@
       </p:grpSpPr>
       <p:pic>
         <p:nvPicPr>
-          <p:cNvPr id="2" name="그림 1"/>
+          <p:cNvPr id="3" name="그림 2"/>
           <p:cNvPicPr>
             <a:picLocks noChangeAspect="1"/>
           </p:cNvPicPr>
@@ -3416,48 +3705,14 @@
         </p:blipFill>
         <p:spPr>
           <a:xfrm>
-            <a:off x="2779769" y="2408903"/>
-            <a:ext cx="4039164" cy="885949"/>
+            <a:off x="374112" y="1866276"/>
+            <a:ext cx="5464556" cy="2362406"/>
           </a:xfrm>
           <a:prstGeom prst="rect">
             <a:avLst/>
           </a:prstGeom>
         </p:spPr>
       </p:pic>
-      <p:sp>
-        <p:nvSpPr>
-          <p:cNvPr id="3" name="TextBox 2"/>
-          <p:cNvSpPr txBox="1"/>
-          <p:nvPr/>
-        </p:nvSpPr>
-        <p:spPr>
-          <a:xfrm>
-            <a:off x="3380282" y="3605135"/>
-            <a:ext cx="3594254" cy="369332"/>
-          </a:xfrm>
-          <a:prstGeom prst="rect">
-            <a:avLst/>
-          </a:prstGeom>
-          <a:noFill/>
-        </p:spPr>
-        <p:txBody>
-          <a:bodyPr wrap="none" rtlCol="0">
-            <a:spAutoFit/>
-          </a:bodyPr>
-          <a:lstStyle/>
-          <a:p>
-            <a:r>
-              <a:rPr lang="ko-KR" altLang="en-US" dirty="0" smtClean="0"/>
-              <a:t>좋음 나쁨 색상 </a:t>
-            </a:r>
-            <a:r>
-              <a:rPr lang="ko-KR" altLang="en-US" smtClean="0"/>
-              <a:t>아이콘 색과 통일</a:t>
-            </a:r>
-            <a:endParaRPr lang="ko-KR" altLang="en-US"/>
-          </a:p>
-        </p:txBody>
-      </p:sp>
       <p:pic>
         <p:nvPicPr>
           <p:cNvPr id="4" name="그림 3"/>
@@ -3474,18 +3729,81 @@
         </p:blipFill>
         <p:spPr>
           <a:xfrm>
-            <a:off x="8004464" y="1637271"/>
-            <a:ext cx="2943636" cy="1657581"/>
+            <a:off x="7409556" y="816195"/>
+            <a:ext cx="3848637" cy="5420481"/>
           </a:xfrm>
           <a:prstGeom prst="rect">
             <a:avLst/>
           </a:prstGeom>
         </p:spPr>
       </p:pic>
+      <p:cxnSp>
+        <p:nvCxnSpPr>
+          <p:cNvPr id="6" name="직선 화살표 연결선 5"/>
+          <p:cNvCxnSpPr/>
+          <p:nvPr/>
+        </p:nvCxnSpPr>
+        <p:spPr>
+          <a:xfrm>
+            <a:off x="5636302" y="3047479"/>
+            <a:ext cx="1349114" cy="0"/>
+          </a:xfrm>
+          <a:prstGeom prst="straightConnector1">
+            <a:avLst/>
+          </a:prstGeom>
+          <a:ln>
+            <a:tailEnd type="triangle"/>
+          </a:ln>
+        </p:spPr>
+        <p:style>
+          <a:lnRef idx="1">
+            <a:schemeClr val="accent1"/>
+          </a:lnRef>
+          <a:fillRef idx="0">
+            <a:schemeClr val="accent1"/>
+          </a:fillRef>
+          <a:effectRef idx="0">
+            <a:schemeClr val="accent1"/>
+          </a:effectRef>
+          <a:fontRef idx="minor">
+            <a:schemeClr val="tx1"/>
+          </a:fontRef>
+        </p:style>
+      </p:cxnSp>
+      <p:sp>
+        <p:nvSpPr>
+          <p:cNvPr id="7" name="TextBox 6"/>
+          <p:cNvSpPr txBox="1"/>
+          <p:nvPr/>
+        </p:nvSpPr>
+        <p:spPr>
+          <a:xfrm>
+            <a:off x="434714" y="262328"/>
+            <a:ext cx="1872629" cy="369332"/>
+          </a:xfrm>
+          <a:prstGeom prst="rect">
+            <a:avLst/>
+          </a:prstGeom>
+          <a:noFill/>
+        </p:spPr>
+        <p:txBody>
+          <a:bodyPr wrap="none" rtlCol="0">
+            <a:spAutoFit/>
+          </a:bodyPr>
+          <a:lstStyle/>
+          <a:p>
+            <a:r>
+              <a:rPr lang="en-US" altLang="ko-KR" dirty="0"/>
+              <a:t>UI-SJN-06-001L</a:t>
+            </a:r>
+            <a:endParaRPr lang="ko-KR" altLang="en-US" dirty="0"/>
+          </a:p>
+        </p:txBody>
+      </p:sp>
     </p:spTree>
     <p:extLst>
       <p:ext uri="{BB962C8B-B14F-4D97-AF65-F5344CB8AC3E}">
-        <p14:creationId xmlns:p14="http://schemas.microsoft.com/office/powerpoint/2010/main" val="453370022"/>
+        <p14:creationId xmlns:p14="http://schemas.microsoft.com/office/powerpoint/2010/main" val="3382041404"/>
       </p:ext>
     </p:extLst>
   </p:cSld>
@@ -3528,8 +3846,8 @@
         </p:blipFill>
         <p:spPr>
           <a:xfrm>
-            <a:off x="869995" y="682052"/>
-            <a:ext cx="2474011" cy="5486582"/>
+            <a:off x="1807864" y="2556572"/>
+            <a:ext cx="4648849" cy="1619476"/>
           </a:xfrm>
           <a:prstGeom prst="rect">
             <a:avLst/>
@@ -3552,18 +3870,65 @@
         </p:blipFill>
         <p:spPr>
           <a:xfrm>
-            <a:off x="4099168" y="1528997"/>
-            <a:ext cx="7525606" cy="3253428"/>
+            <a:off x="6853320" y="1173518"/>
+            <a:ext cx="3782201" cy="4010831"/>
           </a:xfrm>
           <a:prstGeom prst="rect">
             <a:avLst/>
           </a:prstGeom>
         </p:spPr>
       </p:pic>
+      <p:sp>
+        <p:nvSpPr>
+          <p:cNvPr id="5" name="직사각형 4"/>
+          <p:cNvSpPr/>
+          <p:nvPr/>
+        </p:nvSpPr>
+        <p:spPr>
+          <a:xfrm>
+            <a:off x="944381" y="1798820"/>
+            <a:ext cx="6071016" cy="3979888"/>
+          </a:xfrm>
+          <a:prstGeom prst="rect">
+            <a:avLst/>
+          </a:prstGeom>
+          <a:solidFill>
+            <a:srgbClr val="00B050"/>
+          </a:solidFill>
+        </p:spPr>
+        <p:style>
+          <a:lnRef idx="2">
+            <a:schemeClr val="accent1">
+              <a:shade val="50000"/>
+            </a:schemeClr>
+          </a:lnRef>
+          <a:fillRef idx="1">
+            <a:schemeClr val="accent1"/>
+          </a:fillRef>
+          <a:effectRef idx="0">
+            <a:schemeClr val="accent1"/>
+          </a:effectRef>
+          <a:fontRef idx="minor">
+            <a:schemeClr val="lt1"/>
+          </a:fontRef>
+        </p:style>
+        <p:txBody>
+          <a:bodyPr rtlCol="0" anchor="ctr"/>
+          <a:lstStyle/>
+          <a:p>
+            <a:pPr algn="ctr"/>
+            <a:r>
+              <a:rPr lang="ko-KR" altLang="en-US" smtClean="0"/>
+              <a:t>작업 중</a:t>
+            </a:r>
+            <a:endParaRPr lang="ko-KR" altLang="en-US"/>
+          </a:p>
+        </p:txBody>
+      </p:sp>
     </p:spTree>
     <p:extLst>
       <p:ext uri="{BB962C8B-B14F-4D97-AF65-F5344CB8AC3E}">
-        <p14:creationId xmlns:p14="http://schemas.microsoft.com/office/powerpoint/2010/main" val="3382041404"/>
+        <p14:creationId xmlns:p14="http://schemas.microsoft.com/office/powerpoint/2010/main" val="2100235697"/>
       </p:ext>
     </p:extLst>
   </p:cSld>
@@ -3590,9 +3955,69 @@
           <a:chExt cx="0" cy="0"/>
         </a:xfrm>
       </p:grpSpPr>
+      <p:sp>
+        <p:nvSpPr>
+          <p:cNvPr id="3" name="TextBox 2"/>
+          <p:cNvSpPr txBox="1"/>
+          <p:nvPr/>
+        </p:nvSpPr>
+        <p:spPr>
+          <a:xfrm>
+            <a:off x="434714" y="262328"/>
+            <a:ext cx="2204450" cy="369332"/>
+          </a:xfrm>
+          <a:prstGeom prst="rect">
+            <a:avLst/>
+          </a:prstGeom>
+          <a:noFill/>
+        </p:spPr>
+        <p:txBody>
+          <a:bodyPr wrap="none" rtlCol="0">
+            <a:spAutoFit/>
+          </a:bodyPr>
+          <a:lstStyle/>
+          <a:p>
+            <a:r>
+              <a:rPr lang="en-US" altLang="ko-KR" dirty="0"/>
+              <a:t>common_mapicons</a:t>
+            </a:r>
+            <a:endParaRPr lang="ko-KR" altLang="en-US" dirty="0"/>
+          </a:p>
+        </p:txBody>
+      </p:sp>
+      <p:sp>
+        <p:nvSpPr>
+          <p:cNvPr id="5" name="TextBox 4"/>
+          <p:cNvSpPr txBox="1"/>
+          <p:nvPr/>
+        </p:nvSpPr>
+        <p:spPr>
+          <a:xfrm>
+            <a:off x="4054839" y="2975548"/>
+            <a:ext cx="543739" cy="307777"/>
+          </a:xfrm>
+          <a:prstGeom prst="rect">
+            <a:avLst/>
+          </a:prstGeom>
+          <a:noFill/>
+        </p:spPr>
+        <p:txBody>
+          <a:bodyPr wrap="none" rtlCol="0">
+            <a:spAutoFit/>
+          </a:bodyPr>
+          <a:lstStyle/>
+          <a:p>
+            <a:r>
+              <a:rPr lang="ko-KR" altLang="en-US" sz="1400" dirty="0" smtClean="0"/>
+              <a:t>추가</a:t>
+            </a:r>
+            <a:endParaRPr lang="ko-KR" altLang="en-US" sz="1400" dirty="0"/>
+          </a:p>
+        </p:txBody>
+      </p:sp>
       <p:pic>
         <p:nvPicPr>
-          <p:cNvPr id="2" name="그림 1"/>
+          <p:cNvPr id="6" name="그림 5"/>
           <p:cNvPicPr>
             <a:picLocks noChangeAspect="1"/>
           </p:cNvPicPr>
@@ -3606,86 +4031,8 @@
         </p:blipFill>
         <p:spPr>
           <a:xfrm>
-            <a:off x="1807864" y="2556572"/>
-            <a:ext cx="4648849" cy="1619476"/>
-          </a:xfrm>
-          <a:prstGeom prst="rect">
-            <a:avLst/>
-          </a:prstGeom>
-        </p:spPr>
-      </p:pic>
-      <p:pic>
-        <p:nvPicPr>
-          <p:cNvPr id="3" name="그림 2"/>
-          <p:cNvPicPr>
-            <a:picLocks noChangeAspect="1"/>
-          </p:cNvPicPr>
-          <p:nvPr/>
-        </p:nvPicPr>
-        <p:blipFill>
-          <a:blip r:embed="rId3"/>
-          <a:stretch>
-            <a:fillRect/>
-          </a:stretch>
-        </p:blipFill>
-        <p:spPr>
-          <a:xfrm>
-            <a:off x="6853320" y="1173518"/>
-            <a:ext cx="3782201" cy="4010831"/>
-          </a:xfrm>
-          <a:prstGeom prst="rect">
-            <a:avLst/>
-          </a:prstGeom>
-        </p:spPr>
-      </p:pic>
-    </p:spTree>
-    <p:extLst>
-      <p:ext uri="{BB962C8B-B14F-4D97-AF65-F5344CB8AC3E}">
-        <p14:creationId xmlns:p14="http://schemas.microsoft.com/office/powerpoint/2010/main" val="2100235697"/>
-      </p:ext>
-    </p:extLst>
-  </p:cSld>
-  <p:clrMapOvr>
-    <a:masterClrMapping/>
-  </p:clrMapOvr>
-</p:sld>
-</file>
-
-<file path=ppt/slides/slide16.xml><?xml version="1.0" encoding="utf-8"?>
-<p:sld xmlns:a="http://schemas.openxmlformats.org/drawingml/2006/main" xmlns:r="http://schemas.openxmlformats.org/officeDocument/2006/relationships" xmlns:p="http://schemas.openxmlformats.org/presentationml/2006/main">
-  <p:cSld>
-    <p:spTree>
-      <p:nvGrpSpPr>
-        <p:cNvPr id="1" name=""/>
-        <p:cNvGrpSpPr/>
-        <p:nvPr/>
-      </p:nvGrpSpPr>
-      <p:grpSpPr>
-        <a:xfrm>
-          <a:off x="0" y="0"/>
-          <a:ext cx="0" cy="0"/>
-          <a:chOff x="0" y="0"/>
-          <a:chExt cx="0" cy="0"/>
-        </a:xfrm>
-      </p:grpSpPr>
-      <p:pic>
-        <p:nvPicPr>
-          <p:cNvPr id="2" name="그림 1"/>
-          <p:cNvPicPr>
-            <a:picLocks noChangeAspect="1"/>
-          </p:cNvPicPr>
-          <p:nvPr/>
-        </p:nvPicPr>
-        <p:blipFill>
-          <a:blip r:embed="rId2"/>
-          <a:stretch>
-            <a:fillRect/>
-          </a:stretch>
-        </p:blipFill>
-        <p:spPr>
-          <a:xfrm>
-            <a:off x="3623917" y="2952683"/>
-            <a:ext cx="4944165" cy="952633"/>
+            <a:off x="434714" y="1186435"/>
+            <a:ext cx="5849166" cy="752580"/>
           </a:xfrm>
           <a:prstGeom prst="rect">
             <a:avLst/>
@@ -3696,66 +4043,6 @@
     <p:extLst>
       <p:ext uri="{BB962C8B-B14F-4D97-AF65-F5344CB8AC3E}">
         <p14:creationId xmlns:p14="http://schemas.microsoft.com/office/powerpoint/2010/main" val="346521055"/>
-      </p:ext>
-    </p:extLst>
-  </p:cSld>
-  <p:clrMapOvr>
-    <a:masterClrMapping/>
-  </p:clrMapOvr>
-</p:sld>
-</file>
-
-<file path=ppt/slides/slide17.xml><?xml version="1.0" encoding="utf-8"?>
-<p:sld xmlns:a="http://schemas.openxmlformats.org/drawingml/2006/main" xmlns:r="http://schemas.openxmlformats.org/officeDocument/2006/relationships" xmlns:p="http://schemas.openxmlformats.org/presentationml/2006/main">
-  <p:cSld>
-    <p:spTree>
-      <p:nvGrpSpPr>
-        <p:cNvPr id="1" name=""/>
-        <p:cNvGrpSpPr/>
-        <p:nvPr/>
-      </p:nvGrpSpPr>
-      <p:grpSpPr>
-        <a:xfrm>
-          <a:off x="0" y="0"/>
-          <a:ext cx="0" cy="0"/>
-          <a:chOff x="0" y="0"/>
-          <a:chExt cx="0" cy="0"/>
-        </a:xfrm>
-      </p:grpSpPr>
-    </p:spTree>
-    <p:extLst>
-      <p:ext uri="{BB962C8B-B14F-4D97-AF65-F5344CB8AC3E}">
-        <p14:creationId xmlns:p14="http://schemas.microsoft.com/office/powerpoint/2010/main" val="656673298"/>
-      </p:ext>
-    </p:extLst>
-  </p:cSld>
-  <p:clrMapOvr>
-    <a:masterClrMapping/>
-  </p:clrMapOvr>
-</p:sld>
-</file>
-
-<file path=ppt/slides/slide18.xml><?xml version="1.0" encoding="utf-8"?>
-<p:sld xmlns:a="http://schemas.openxmlformats.org/drawingml/2006/main" xmlns:r="http://schemas.openxmlformats.org/officeDocument/2006/relationships" xmlns:p="http://schemas.openxmlformats.org/presentationml/2006/main">
-  <p:cSld>
-    <p:spTree>
-      <p:nvGrpSpPr>
-        <p:cNvPr id="1" name=""/>
-        <p:cNvGrpSpPr/>
-        <p:nvPr/>
-      </p:nvGrpSpPr>
-      <p:grpSpPr>
-        <a:xfrm>
-          <a:off x="0" y="0"/>
-          <a:ext cx="0" cy="0"/>
-          <a:chOff x="0" y="0"/>
-          <a:chExt cx="0" cy="0"/>
-        </a:xfrm>
-      </p:grpSpPr>
-    </p:spTree>
-    <p:extLst>
-      <p:ext uri="{BB962C8B-B14F-4D97-AF65-F5344CB8AC3E}">
-        <p14:creationId xmlns:p14="http://schemas.microsoft.com/office/powerpoint/2010/main" val="1398439417"/>
       </p:ext>
     </p:extLst>
   </p:cSld>
@@ -5057,9 +5344,143 @@
           <a:chExt cx="0" cy="0"/>
         </a:xfrm>
       </p:grpSpPr>
+      <p:sp>
+        <p:nvSpPr>
+          <p:cNvPr id="5" name="TextBox 4"/>
+          <p:cNvSpPr txBox="1"/>
+          <p:nvPr/>
+        </p:nvSpPr>
+        <p:spPr>
+          <a:xfrm>
+            <a:off x="2261230" y="5294361"/>
+            <a:ext cx="543739" cy="307777"/>
+          </a:xfrm>
+          <a:prstGeom prst="rect">
+            <a:avLst/>
+          </a:prstGeom>
+          <a:noFill/>
+        </p:spPr>
+        <p:txBody>
+          <a:bodyPr wrap="none" rtlCol="0">
+            <a:spAutoFit/>
+          </a:bodyPr>
+          <a:lstStyle/>
+          <a:p>
+            <a:r>
+              <a:rPr lang="ko-KR" altLang="en-US" sz="1400" smtClean="0"/>
+              <a:t>두줄</a:t>
+            </a:r>
+            <a:endParaRPr lang="ko-KR" altLang="en-US" sz="1400" dirty="0"/>
+          </a:p>
+        </p:txBody>
+      </p:sp>
+      <p:sp>
+        <p:nvSpPr>
+          <p:cNvPr id="6" name="TextBox 5"/>
+          <p:cNvSpPr txBox="1"/>
+          <p:nvPr/>
+        </p:nvSpPr>
+        <p:spPr>
+          <a:xfrm>
+            <a:off x="434714" y="262328"/>
+            <a:ext cx="1872629" cy="369332"/>
+          </a:xfrm>
+          <a:prstGeom prst="rect">
+            <a:avLst/>
+          </a:prstGeom>
+          <a:noFill/>
+        </p:spPr>
+        <p:txBody>
+          <a:bodyPr wrap="none" rtlCol="0">
+            <a:spAutoFit/>
+          </a:bodyPr>
+          <a:lstStyle/>
+          <a:p>
+            <a:r>
+              <a:rPr lang="en-US" altLang="ko-KR" dirty="0"/>
+              <a:t>UI-SJN-01-001U</a:t>
+            </a:r>
+            <a:endParaRPr lang="ko-KR" altLang="en-US" dirty="0"/>
+          </a:p>
+        </p:txBody>
+      </p:sp>
+      <p:sp>
+        <p:nvSpPr>
+          <p:cNvPr id="11" name="TextBox 10"/>
+          <p:cNvSpPr txBox="1"/>
+          <p:nvPr/>
+        </p:nvSpPr>
+        <p:spPr>
+          <a:xfrm>
+            <a:off x="6076227" y="5319679"/>
+            <a:ext cx="543739" cy="307777"/>
+          </a:xfrm>
+          <a:prstGeom prst="rect">
+            <a:avLst/>
+          </a:prstGeom>
+          <a:noFill/>
+        </p:spPr>
+        <p:txBody>
+          <a:bodyPr wrap="none" rtlCol="0">
+            <a:spAutoFit/>
+          </a:bodyPr>
+          <a:lstStyle/>
+          <a:p>
+            <a:r>
+              <a:rPr lang="ko-KR" altLang="en-US" sz="1400" dirty="0" err="1" smtClean="0"/>
+              <a:t>한줄</a:t>
+            </a:r>
+            <a:endParaRPr lang="ko-KR" altLang="en-US" sz="1400" dirty="0"/>
+          </a:p>
+        </p:txBody>
+      </p:sp>
+      <p:sp>
+        <p:nvSpPr>
+          <p:cNvPr id="18" name="직사각형 17"/>
+          <p:cNvSpPr/>
+          <p:nvPr/>
+        </p:nvSpPr>
+        <p:spPr>
+          <a:xfrm>
+            <a:off x="0" y="6475751"/>
+            <a:ext cx="12192000" cy="382249"/>
+          </a:xfrm>
+          <a:prstGeom prst="rect">
+            <a:avLst/>
+          </a:prstGeom>
+        </p:spPr>
+        <p:style>
+          <a:lnRef idx="2">
+            <a:schemeClr val="accent1">
+              <a:shade val="50000"/>
+            </a:schemeClr>
+          </a:lnRef>
+          <a:fillRef idx="1">
+            <a:schemeClr val="accent1"/>
+          </a:fillRef>
+          <a:effectRef idx="0">
+            <a:schemeClr val="accent1"/>
+          </a:effectRef>
+          <a:fontRef idx="minor">
+            <a:schemeClr val="lt1"/>
+          </a:fontRef>
+        </p:style>
+        <p:txBody>
+          <a:bodyPr rtlCol="0" anchor="ctr"/>
+          <a:lstStyle/>
+          <a:p>
+            <a:pPr algn="ctr"/>
+            <a:r>
+              <a:rPr lang="ko-KR" altLang="en-US" dirty="0" smtClean="0"/>
+              <a:t>아래에 계속</a:t>
+            </a:r>
+            <a:endParaRPr lang="ko-KR" altLang="en-US" dirty="0"/>
+          </a:p>
+        </p:txBody>
+      </p:sp>
       <p:pic>
         <p:nvPicPr>
-          <p:cNvPr id="2" name="그림 1"/>
+          <p:cNvPr id="20" name="그림 19"/>
           <p:cNvPicPr>
             <a:picLocks noChangeAspect="1"/>
           </p:cNvPicPr>
@@ -5073,8 +5494,8 @@
         </p:blipFill>
         <p:spPr>
           <a:xfrm>
-            <a:off x="874829" y="2081718"/>
-            <a:ext cx="4296375" cy="1705213"/>
+            <a:off x="9224896" y="853218"/>
+            <a:ext cx="2076740" cy="714475"/>
           </a:xfrm>
           <a:prstGeom prst="rect">
             <a:avLst/>
@@ -5083,7 +5504,7 @@
       </p:pic>
       <p:pic>
         <p:nvPicPr>
-          <p:cNvPr id="3" name="그림 2"/>
+          <p:cNvPr id="21" name="그림 20"/>
           <p:cNvPicPr>
             <a:picLocks noChangeAspect="1"/>
           </p:cNvPicPr>
@@ -5097,8 +5518,8 @@
         </p:blipFill>
         <p:spPr>
           <a:xfrm>
-            <a:off x="6086296" y="1686516"/>
-            <a:ext cx="4801270" cy="2705478"/>
+            <a:off x="9334449" y="1698252"/>
+            <a:ext cx="1857634" cy="743054"/>
           </a:xfrm>
           <a:prstGeom prst="rect">
             <a:avLst/>
@@ -5107,7 +5528,7 @@
       </p:pic>
       <p:pic>
         <p:nvPicPr>
-          <p:cNvPr id="4" name="그림 3"/>
+          <p:cNvPr id="22" name="그림 21"/>
           <p:cNvPicPr>
             <a:picLocks noChangeAspect="1"/>
           </p:cNvPicPr>
@@ -5121,44 +5542,95 @@
         </p:blipFill>
         <p:spPr>
           <a:xfrm>
-            <a:off x="1698233" y="4553063"/>
-            <a:ext cx="3743847" cy="1724266"/>
+            <a:off x="8712376" y="2832335"/>
+            <a:ext cx="3381847" cy="752580"/>
           </a:xfrm>
           <a:prstGeom prst="rect">
             <a:avLst/>
           </a:prstGeom>
         </p:spPr>
       </p:pic>
-      <p:sp>
-        <p:nvSpPr>
-          <p:cNvPr id="5" name="TextBox 4"/>
-          <p:cNvSpPr txBox="1"/>
-          <p:nvPr/>
-        </p:nvSpPr>
-        <p:spPr>
-          <a:xfrm>
-            <a:off x="3844127" y="4287188"/>
-            <a:ext cx="1189749" cy="369332"/>
-          </a:xfrm>
-          <a:prstGeom prst="rect">
-            <a:avLst/>
-          </a:prstGeom>
-          <a:noFill/>
-        </p:spPr>
-        <p:txBody>
-          <a:bodyPr wrap="none" rtlCol="0">
-            <a:spAutoFit/>
-          </a:bodyPr>
-          <a:lstStyle/>
-          <a:p>
-            <a:r>
-              <a:rPr lang="ko-KR" altLang="en-US" dirty="0" smtClean="0"/>
-              <a:t>오늘 필요</a:t>
-            </a:r>
-            <a:endParaRPr lang="ko-KR" altLang="en-US" dirty="0"/>
-          </a:p>
-        </p:txBody>
-      </p:sp>
+      <p:cxnSp>
+        <p:nvCxnSpPr>
+          <p:cNvPr id="24" name="직선 화살표 연결선 23"/>
+          <p:cNvCxnSpPr/>
+          <p:nvPr/>
+        </p:nvCxnSpPr>
+        <p:spPr>
+          <a:xfrm flipV="1">
+            <a:off x="9923489" y="2241030"/>
+            <a:ext cx="0" cy="487180"/>
+          </a:xfrm>
+          <a:prstGeom prst="straightConnector1">
+            <a:avLst/>
+          </a:prstGeom>
+          <a:ln>
+            <a:tailEnd type="triangle"/>
+          </a:ln>
+        </p:spPr>
+        <p:style>
+          <a:lnRef idx="1">
+            <a:schemeClr val="accent1"/>
+          </a:lnRef>
+          <a:fillRef idx="0">
+            <a:schemeClr val="accent1"/>
+          </a:fillRef>
+          <a:effectRef idx="0">
+            <a:schemeClr val="accent1"/>
+          </a:effectRef>
+          <a:fontRef idx="minor">
+            <a:schemeClr val="tx1"/>
+          </a:fontRef>
+        </p:style>
+      </p:cxnSp>
+      <p:pic>
+        <p:nvPicPr>
+          <p:cNvPr id="25" name="그림 24"/>
+          <p:cNvPicPr>
+            <a:picLocks noChangeAspect="1"/>
+          </p:cNvPicPr>
+          <p:nvPr/>
+        </p:nvPicPr>
+        <p:blipFill>
+          <a:blip r:embed="rId5"/>
+          <a:stretch>
+            <a:fillRect/>
+          </a:stretch>
+        </p:blipFill>
+        <p:spPr>
+          <a:xfrm>
+            <a:off x="370253" y="933800"/>
+            <a:ext cx="3781953" cy="4010585"/>
+          </a:xfrm>
+          <a:prstGeom prst="rect">
+            <a:avLst/>
+          </a:prstGeom>
+        </p:spPr>
+      </p:pic>
+      <p:pic>
+        <p:nvPicPr>
+          <p:cNvPr id="26" name="그림 25"/>
+          <p:cNvPicPr>
+            <a:picLocks noChangeAspect="1"/>
+          </p:cNvPicPr>
+          <p:nvPr/>
+        </p:nvPicPr>
+        <p:blipFill>
+          <a:blip r:embed="rId6"/>
+          <a:stretch>
+            <a:fillRect/>
+          </a:stretch>
+        </p:blipFill>
+        <p:spPr>
+          <a:xfrm>
+            <a:off x="4460284" y="962378"/>
+            <a:ext cx="3753374" cy="3953427"/>
+          </a:xfrm>
+          <a:prstGeom prst="rect">
+            <a:avLst/>
+          </a:prstGeom>
+        </p:spPr>
+      </p:pic>
     </p:spTree>
     <p:extLst>
       <p:ext uri="{BB962C8B-B14F-4D97-AF65-F5344CB8AC3E}">
@@ -5191,7 +5663,7 @@
       </p:grpSpPr>
       <p:pic>
         <p:nvPicPr>
-          <p:cNvPr id="2" name="그림 1"/>
+          <p:cNvPr id="18" name="그림 17"/>
           <p:cNvPicPr>
             <a:picLocks noChangeAspect="1"/>
           </p:cNvPicPr>
@@ -5205,7 +5677,31 @@
         </p:blipFill>
         <p:spPr>
           <a:xfrm>
-            <a:off x="1045608" y="1463907"/>
+            <a:off x="7145127" y="1665091"/>
+            <a:ext cx="3762900" cy="2572109"/>
+          </a:xfrm>
+          <a:prstGeom prst="rect">
+            <a:avLst/>
+          </a:prstGeom>
+        </p:spPr>
+      </p:pic>
+      <p:pic>
+        <p:nvPicPr>
+          <p:cNvPr id="2" name="그림 1"/>
+          <p:cNvPicPr>
+            <a:picLocks noChangeAspect="1"/>
+          </p:cNvPicPr>
+          <p:nvPr/>
+        </p:nvPicPr>
+        <p:blipFill>
+          <a:blip r:embed="rId3"/>
+          <a:stretch>
+            <a:fillRect/>
+          </a:stretch>
+        </p:blipFill>
+        <p:spPr>
+          <a:xfrm>
+            <a:off x="453496" y="1441422"/>
             <a:ext cx="4944165" cy="3000794"/>
           </a:xfrm>
           <a:prstGeom prst="rect">
@@ -5215,14 +5711,14 @@
       </p:pic>
       <p:cxnSp>
         <p:nvCxnSpPr>
-          <p:cNvPr id="4" name="직선 화살표 연결선 3"/>
+          <p:cNvPr id="12" name="직선 화살표 연결선 11"/>
           <p:cNvCxnSpPr/>
           <p:nvPr/>
         </p:nvCxnSpPr>
         <p:spPr>
-          <a:xfrm flipH="1">
-            <a:off x="5029200" y="2158584"/>
-            <a:ext cx="1806314" cy="0"/>
+          <a:xfrm>
+            <a:off x="5688767" y="2788170"/>
+            <a:ext cx="1304144" cy="0"/>
           </a:xfrm>
           <a:prstGeom prst="straightConnector1">
             <a:avLst/>
@@ -5246,16 +5742,82 @@
           </a:fontRef>
         </p:style>
       </p:cxnSp>
-      <p:sp>
-        <p:nvSpPr>
-          <p:cNvPr id="5" name="TextBox 4"/>
+      <p:cxnSp>
+        <p:nvCxnSpPr>
+          <p:cNvPr id="15" name="직선 화살표 연결선 14"/>
+          <p:cNvCxnSpPr/>
+          <p:nvPr/>
+        </p:nvCxnSpPr>
+        <p:spPr>
+          <a:xfrm>
+            <a:off x="10268262" y="1441422"/>
+            <a:ext cx="0" cy="447339"/>
+          </a:xfrm>
+          <a:prstGeom prst="straightConnector1">
+            <a:avLst/>
+          </a:prstGeom>
+          <a:ln>
+            <a:tailEnd type="triangle"/>
+          </a:ln>
+        </p:spPr>
+        <p:style>
+          <a:lnRef idx="1">
+            <a:schemeClr val="accent1"/>
+          </a:lnRef>
+          <a:fillRef idx="0">
+            <a:schemeClr val="accent1"/>
+          </a:fillRef>
+          <a:effectRef idx="0">
+            <a:schemeClr val="accent1"/>
+          </a:effectRef>
+          <a:fontRef idx="minor">
+            <a:schemeClr val="tx1"/>
+          </a:fontRef>
+        </p:style>
+      </p:cxnSp>
+      <p:cxnSp>
+        <p:nvCxnSpPr>
+          <p:cNvPr id="17" name="직선 화살표 연결선 16"/>
+          <p:cNvCxnSpPr/>
+          <p:nvPr/>
+        </p:nvCxnSpPr>
+        <p:spPr>
+          <a:xfrm flipH="1">
+            <a:off x="10762937" y="2941819"/>
+            <a:ext cx="607102" cy="0"/>
+          </a:xfrm>
+          <a:prstGeom prst="straightConnector1">
+            <a:avLst/>
+          </a:prstGeom>
+          <a:ln>
+            <a:tailEnd type="triangle"/>
+          </a:ln>
+        </p:spPr>
+        <p:style>
+          <a:lnRef idx="1">
+            <a:schemeClr val="accent1"/>
+          </a:lnRef>
+          <a:fillRef idx="0">
+            <a:schemeClr val="accent1"/>
+          </a:fillRef>
+          <a:effectRef idx="0">
+            <a:schemeClr val="accent1"/>
+          </a:effectRef>
+          <a:fontRef idx="minor">
+            <a:schemeClr val="tx1"/>
+          </a:fontRef>
+        </p:style>
+      </p:cxnSp>
+      <p:sp>
+        <p:nvSpPr>
+          <p:cNvPr id="19" name="TextBox 18"/>
           <p:cNvSpPr txBox="1"/>
           <p:nvPr/>
         </p:nvSpPr>
         <p:spPr>
           <a:xfrm>
-            <a:off x="7202774" y="1948721"/>
-            <a:ext cx="2327881" cy="369332"/>
+            <a:off x="9026577" y="4525200"/>
+            <a:ext cx="543739" cy="307777"/>
           </a:xfrm>
           <a:prstGeom prst="rect">
             <a:avLst/>
@@ -5269,48 +5831,10 @@
           <a:lstStyle/>
           <a:p>
             <a:r>
-              <a:rPr lang="ko-KR" altLang="en-US" dirty="0" smtClean="0"/>
-              <a:t>두께 제거</a:t>
-            </a:r>
-            <a:r>
-              <a:rPr lang="en-US" altLang="ko-KR" dirty="0" smtClean="0"/>
-              <a:t>, </a:t>
-            </a:r>
-            <a:r>
-              <a:rPr lang="ko-KR" altLang="en-US" dirty="0" smtClean="0"/>
-              <a:t>글자 작게</a:t>
-            </a:r>
-            <a:endParaRPr lang="ko-KR" altLang="en-US" dirty="0"/>
-          </a:p>
-        </p:txBody>
-      </p:sp>
-      <p:sp>
-        <p:nvSpPr>
-          <p:cNvPr id="6" name="TextBox 5"/>
-          <p:cNvSpPr txBox="1"/>
-          <p:nvPr/>
-        </p:nvSpPr>
-        <p:spPr>
-          <a:xfrm>
-            <a:off x="4268392" y="2853262"/>
-            <a:ext cx="1420582" cy="369332"/>
-          </a:xfrm>
-          <a:prstGeom prst="rect">
-            <a:avLst/>
-          </a:prstGeom>
-          <a:noFill/>
-        </p:spPr>
-        <p:txBody>
-          <a:bodyPr wrap="none" rtlCol="0">
-            <a:spAutoFit/>
-          </a:bodyPr>
-          <a:lstStyle/>
-          <a:p>
-            <a:r>
-              <a:rPr lang="ko-KR" altLang="en-US" dirty="0" smtClean="0"/>
-              <a:t>오른쪽 붙여</a:t>
-            </a:r>
-            <a:endParaRPr lang="ko-KR" altLang="en-US" dirty="0"/>
+              <a:rPr lang="ko-KR" altLang="en-US" sz="1400" dirty="0" smtClean="0"/>
+              <a:t>수정</a:t>
+            </a:r>
+            <a:endParaRPr lang="ko-KR" altLang="en-US" sz="1400" dirty="0"/>
           </a:p>
         </p:txBody>
       </p:sp>

--- a/ppt/04-03.pptx
+++ b/ppt/04-03.pptx
@@ -3832,7 +3832,7 @@
       </p:grpSpPr>
       <p:pic>
         <p:nvPicPr>
-          <p:cNvPr id="2" name="그림 1"/>
+          <p:cNvPr id="3" name="그림 2"/>
           <p:cNvPicPr>
             <a:picLocks noChangeAspect="1"/>
           </p:cNvPicPr>
@@ -3846,8 +3846,8 @@
         </p:blipFill>
         <p:spPr>
           <a:xfrm>
-            <a:off x="1807864" y="2556572"/>
-            <a:ext cx="4648849" cy="1619476"/>
+            <a:off x="416242" y="1518291"/>
+            <a:ext cx="2667603" cy="2828857"/>
           </a:xfrm>
           <a:prstGeom prst="rect">
             <a:avLst/>
@@ -3856,7 +3856,7 @@
       </p:pic>
       <p:pic>
         <p:nvPicPr>
-          <p:cNvPr id="3" name="그림 2"/>
+          <p:cNvPr id="4" name="그림 3"/>
           <p:cNvPicPr>
             <a:picLocks noChangeAspect="1"/>
           </p:cNvPicPr>
@@ -3870,8 +3870,8 @@
         </p:blipFill>
         <p:spPr>
           <a:xfrm>
-            <a:off x="6853320" y="1173518"/>
-            <a:ext cx="3782201" cy="4010831"/>
+            <a:off x="4028163" y="992142"/>
+            <a:ext cx="3877216" cy="3629532"/>
           </a:xfrm>
           <a:prstGeom prst="rect">
             <a:avLst/>
@@ -3880,51 +3880,104 @@
       </p:pic>
       <p:sp>
         <p:nvSpPr>
-          <p:cNvPr id="5" name="직사각형 4"/>
-          <p:cNvSpPr/>
-          <p:nvPr/>
-        </p:nvSpPr>
-        <p:spPr>
-          <a:xfrm>
-            <a:off x="944381" y="1798820"/>
-            <a:ext cx="6071016" cy="3979888"/>
-          </a:xfrm>
-          <a:prstGeom prst="rect">
-            <a:avLst/>
-          </a:prstGeom>
-          <a:solidFill>
-            <a:srgbClr val="00B050"/>
-          </a:solidFill>
-        </p:spPr>
-        <p:style>
-          <a:lnRef idx="2">
-            <a:schemeClr val="accent1">
-              <a:shade val="50000"/>
-            </a:schemeClr>
-          </a:lnRef>
-          <a:fillRef idx="1">
-            <a:schemeClr val="accent1"/>
-          </a:fillRef>
-          <a:effectRef idx="0">
-            <a:schemeClr val="accent1"/>
-          </a:effectRef>
-          <a:fontRef idx="minor">
-            <a:schemeClr val="lt1"/>
-          </a:fontRef>
-        </p:style>
-        <p:txBody>
-          <a:bodyPr rtlCol="0" anchor="ctr"/>
-          <a:lstStyle/>
-          <a:p>
-            <a:pPr algn="ctr"/>
-            <a:r>
-              <a:rPr lang="ko-KR" altLang="en-US" smtClean="0"/>
-              <a:t>작업 중</a:t>
-            </a:r>
-            <a:endParaRPr lang="ko-KR" altLang="en-US"/>
-          </a:p>
-        </p:txBody>
-      </p:sp>
+          <p:cNvPr id="6" name="TextBox 5"/>
+          <p:cNvSpPr txBox="1"/>
+          <p:nvPr/>
+        </p:nvSpPr>
+        <p:spPr>
+          <a:xfrm>
+            <a:off x="434714" y="262328"/>
+            <a:ext cx="1872629" cy="369332"/>
+          </a:xfrm>
+          <a:prstGeom prst="rect">
+            <a:avLst/>
+          </a:prstGeom>
+          <a:noFill/>
+        </p:spPr>
+        <p:txBody>
+          <a:bodyPr wrap="none" rtlCol="0">
+            <a:spAutoFit/>
+          </a:bodyPr>
+          <a:lstStyle/>
+          <a:p>
+            <a:r>
+              <a:rPr lang="en-US" altLang="ko-KR" dirty="0"/>
+              <a:t>UI-SJN-04-008U</a:t>
+            </a:r>
+            <a:endParaRPr lang="ko-KR" altLang="en-US" dirty="0"/>
+          </a:p>
+        </p:txBody>
+      </p:sp>
+      <p:sp>
+        <p:nvSpPr>
+          <p:cNvPr id="7" name="TextBox 6"/>
+          <p:cNvSpPr txBox="1"/>
+          <p:nvPr/>
+        </p:nvSpPr>
+        <p:spPr>
+          <a:xfrm>
+            <a:off x="4140790" y="5062689"/>
+            <a:ext cx="3651962" cy="307777"/>
+          </a:xfrm>
+          <a:prstGeom prst="rect">
+            <a:avLst/>
+          </a:prstGeom>
+          <a:noFill/>
+        </p:spPr>
+        <p:txBody>
+          <a:bodyPr wrap="none" rtlCol="0">
+            <a:spAutoFit/>
+          </a:bodyPr>
+          <a:lstStyle/>
+          <a:p>
+            <a:r>
+              <a:rPr lang="en-US" altLang="ko-KR" sz="1400" dirty="0" smtClean="0"/>
+              <a:t>css </a:t>
+            </a:r>
+            <a:r>
+              <a:rPr lang="ko-KR" altLang="en-US" sz="1400" dirty="0" smtClean="0"/>
+              <a:t>로는 </a:t>
+            </a:r>
+            <a:r>
+              <a:rPr lang="ko-KR" altLang="en-US" sz="1400" dirty="0" err="1" smtClean="0"/>
+              <a:t>안돼고</a:t>
+            </a:r>
+            <a:r>
+              <a:rPr lang="ko-KR" altLang="en-US" sz="1400" dirty="0" smtClean="0"/>
+              <a:t> 클래스를 넣어야 하겠네요</a:t>
+            </a:r>
+            <a:r>
+              <a:rPr lang="en-US" altLang="ko-KR" sz="1400" dirty="0" smtClean="0"/>
+              <a:t>.</a:t>
+            </a:r>
+            <a:endParaRPr lang="ko-KR" altLang="en-US" sz="1400" dirty="0"/>
+          </a:p>
+        </p:txBody>
+      </p:sp>
+      <p:pic>
+        <p:nvPicPr>
+          <p:cNvPr id="8" name="그림 7"/>
+          <p:cNvPicPr>
+            <a:picLocks noChangeAspect="1"/>
+          </p:cNvPicPr>
+          <p:nvPr/>
+        </p:nvPicPr>
+        <p:blipFill>
+          <a:blip r:embed="rId4"/>
+          <a:stretch>
+            <a:fillRect/>
+          </a:stretch>
+        </p:blipFill>
+        <p:spPr>
+          <a:xfrm>
+            <a:off x="8118025" y="1151860"/>
+            <a:ext cx="3880655" cy="4064718"/>
+          </a:xfrm>
+          <a:prstGeom prst="rect">
+            <a:avLst/>
+          </a:prstGeom>
+        </p:spPr>
+      </p:pic>
     </p:spTree>
     <p:extLst>
       <p:ext uri="{BB962C8B-B14F-4D97-AF65-F5344CB8AC3E}">

--- a/ppt/04-03.pptx
+++ b/ppt/04-03.pptx
@@ -20,6 +20,7 @@
     <p:sldId id="273" r:id="rId14"/>
     <p:sldId id="269" r:id="rId15"/>
     <p:sldId id="270" r:id="rId16"/>
+    <p:sldId id="275" r:id="rId17"/>
   </p:sldIdLst>
   <p:sldSz cx="12192000" cy="6858000"/>
   <p:notesSz cx="6858000" cy="9144000"/>
@@ -4105,6 +4106,153 @@
 </p:sld>
 </file>
 
+<file path=ppt/slides/slide16.xml><?xml version="1.0" encoding="utf-8"?>
+<p:sld xmlns:a="http://schemas.openxmlformats.org/drawingml/2006/main" xmlns:r="http://schemas.openxmlformats.org/officeDocument/2006/relationships" xmlns:p="http://schemas.openxmlformats.org/presentationml/2006/main">
+  <p:cSld>
+    <p:spTree>
+      <p:nvGrpSpPr>
+        <p:cNvPr id="1" name=""/>
+        <p:cNvGrpSpPr/>
+        <p:nvPr/>
+      </p:nvGrpSpPr>
+      <p:grpSpPr>
+        <a:xfrm>
+          <a:off x="0" y="0"/>
+          <a:ext cx="0" cy="0"/>
+          <a:chOff x="0" y="0"/>
+          <a:chExt cx="0" cy="0"/>
+        </a:xfrm>
+      </p:grpSpPr>
+      <p:sp>
+        <p:nvSpPr>
+          <p:cNvPr id="3" name="TextBox 2"/>
+          <p:cNvSpPr txBox="1"/>
+          <p:nvPr/>
+        </p:nvSpPr>
+        <p:spPr>
+          <a:xfrm>
+            <a:off x="434714" y="262328"/>
+            <a:ext cx="1872629" cy="369332"/>
+          </a:xfrm>
+          <a:prstGeom prst="rect">
+            <a:avLst/>
+          </a:prstGeom>
+          <a:noFill/>
+        </p:spPr>
+        <p:txBody>
+          <a:bodyPr wrap="none" rtlCol="0">
+            <a:spAutoFit/>
+          </a:bodyPr>
+          <a:lstStyle/>
+          <a:p>
+            <a:r>
+              <a:rPr lang="en-US" altLang="ko-KR" dirty="0"/>
+              <a:t>UI-SJN-01-001U</a:t>
+            </a:r>
+            <a:endParaRPr lang="ko-KR" altLang="en-US" dirty="0"/>
+          </a:p>
+        </p:txBody>
+      </p:sp>
+      <p:sp>
+        <p:nvSpPr>
+          <p:cNvPr id="5" name="TextBox 4"/>
+          <p:cNvSpPr txBox="1"/>
+          <p:nvPr/>
+        </p:nvSpPr>
+        <p:spPr>
+          <a:xfrm>
+            <a:off x="1242136" y="2930578"/>
+            <a:ext cx="1144865" cy="307777"/>
+          </a:xfrm>
+          <a:prstGeom prst="rect">
+            <a:avLst/>
+          </a:prstGeom>
+          <a:noFill/>
+        </p:spPr>
+        <p:txBody>
+          <a:bodyPr wrap="none" rtlCol="0">
+            <a:spAutoFit/>
+          </a:bodyPr>
+          <a:lstStyle/>
+          <a:p>
+            <a:r>
+              <a:rPr lang="ko-KR" altLang="en-US" sz="1400" dirty="0" smtClean="0"/>
+              <a:t>아이콘 추가</a:t>
+            </a:r>
+            <a:endParaRPr lang="ko-KR" altLang="en-US" sz="1400" dirty="0"/>
+          </a:p>
+        </p:txBody>
+      </p:sp>
+      <p:pic>
+        <p:nvPicPr>
+          <p:cNvPr id="2" name="그림 1"/>
+          <p:cNvPicPr>
+            <a:picLocks noChangeAspect="1"/>
+          </p:cNvPicPr>
+          <p:nvPr/>
+        </p:nvPicPr>
+        <p:blipFill>
+          <a:blip r:embed="rId2"/>
+          <a:stretch>
+            <a:fillRect/>
+          </a:stretch>
+        </p:blipFill>
+        <p:spPr>
+          <a:xfrm>
+            <a:off x="654678" y="1244435"/>
+            <a:ext cx="3943900" cy="876422"/>
+          </a:xfrm>
+          <a:prstGeom prst="rect">
+            <a:avLst/>
+          </a:prstGeom>
+        </p:spPr>
+      </p:pic>
+      <p:cxnSp>
+        <p:nvCxnSpPr>
+          <p:cNvPr id="7" name="직선 화살표 연결선 6"/>
+          <p:cNvCxnSpPr/>
+          <p:nvPr/>
+        </p:nvCxnSpPr>
+        <p:spPr>
+          <a:xfrm flipV="1">
+            <a:off x="1514006" y="1888760"/>
+            <a:ext cx="0" cy="921895"/>
+          </a:xfrm>
+          <a:prstGeom prst="straightConnector1">
+            <a:avLst/>
+          </a:prstGeom>
+          <a:ln>
+            <a:tailEnd type="triangle"/>
+          </a:ln>
+        </p:spPr>
+        <p:style>
+          <a:lnRef idx="1">
+            <a:schemeClr val="accent1"/>
+          </a:lnRef>
+          <a:fillRef idx="0">
+            <a:schemeClr val="accent1"/>
+          </a:fillRef>
+          <a:effectRef idx="0">
+            <a:schemeClr val="accent1"/>
+          </a:effectRef>
+          <a:fontRef idx="minor">
+            <a:schemeClr val="tx1"/>
+          </a:fontRef>
+        </p:style>
+      </p:cxnSp>
+    </p:spTree>
+    <p:extLst>
+      <p:ext uri="{BB962C8B-B14F-4D97-AF65-F5344CB8AC3E}">
+        <p14:creationId xmlns:p14="http://schemas.microsoft.com/office/powerpoint/2010/main" val="1883613464"/>
+      </p:ext>
+    </p:extLst>
+  </p:cSld>
+  <p:clrMapOvr>
+    <a:masterClrMapping/>
+  </p:clrMapOvr>
+</p:sld>
+</file>
+
 <file path=ppt/slides/slide2.xml><?xml version="1.0" encoding="utf-8"?>
 <p:sld xmlns:a="http://schemas.openxmlformats.org/drawingml/2006/main" xmlns:r="http://schemas.openxmlformats.org/officeDocument/2006/relationships" xmlns:p="http://schemas.openxmlformats.org/presentationml/2006/main">
   <p:cSld>
